--- a/docs/figures/figures.pptx
+++ b/docs/figures/figures.pptx
@@ -109,6 +109,11 @@
       </a:defRPr>
     </a:lvl9pPr>
   </p:defaultTextStyle>
+  <p:extLst>
+    <p:ext uri="{EFAFB233-063F-42B5-8137-9DF3F51BA10A}">
+      <p15:sldGuideLst xmlns:p15="http://schemas.microsoft.com/office/powerpoint/2012/main"/>
+    </p:ext>
+  </p:extLst>
 </p:presentation>
 </file>
 
@@ -194,7 +199,7 @@
           <a:p>
             <a:fld id="{1A392EDF-80CC-FB40-9D4A-404B7EF38DE9}" type="datetimeFigureOut">
               <a:rPr lang="en-US" smtClean="0"/>
-              <a:t>2/7/22</a:t>
+              <a:t>2/22/22</a:t>
             </a:fld>
             <a:endParaRPr lang="en-US"/>
           </a:p>
@@ -863,7 +868,7 @@
           <a:p>
             <a:fld id="{97219364-2005-7641-8B17-0A01D5F53D15}" type="datetimeFigureOut">
               <a:rPr lang="en-US" smtClean="0"/>
-              <a:t>2/7/22</a:t>
+              <a:t>2/22/22</a:t>
             </a:fld>
             <a:endParaRPr lang="en-US"/>
           </a:p>
@@ -1063,7 +1068,7 @@
           <a:p>
             <a:fld id="{97219364-2005-7641-8B17-0A01D5F53D15}" type="datetimeFigureOut">
               <a:rPr lang="en-US" smtClean="0"/>
-              <a:t>2/7/22</a:t>
+              <a:t>2/22/22</a:t>
             </a:fld>
             <a:endParaRPr lang="en-US"/>
           </a:p>
@@ -1273,7 +1278,7 @@
           <a:p>
             <a:fld id="{97219364-2005-7641-8B17-0A01D5F53D15}" type="datetimeFigureOut">
               <a:rPr lang="en-US" smtClean="0"/>
-              <a:t>2/7/22</a:t>
+              <a:t>2/22/22</a:t>
             </a:fld>
             <a:endParaRPr lang="en-US"/>
           </a:p>
@@ -1508,7 +1513,7 @@
           <a:p>
             <a:fld id="{97219364-2005-7641-8B17-0A01D5F53D15}" type="datetimeFigureOut">
               <a:rPr lang="en-US" smtClean="0"/>
-              <a:t>2/7/22</a:t>
+              <a:t>2/22/22</a:t>
             </a:fld>
             <a:endParaRPr lang="en-US"/>
           </a:p>
@@ -1784,7 +1789,7 @@
           <a:p>
             <a:fld id="{97219364-2005-7641-8B17-0A01D5F53D15}" type="datetimeFigureOut">
               <a:rPr lang="en-US" smtClean="0"/>
-              <a:t>2/7/22</a:t>
+              <a:t>2/22/22</a:t>
             </a:fld>
             <a:endParaRPr lang="en-US"/>
           </a:p>
@@ -2052,7 +2057,7 @@
           <a:p>
             <a:fld id="{97219364-2005-7641-8B17-0A01D5F53D15}" type="datetimeFigureOut">
               <a:rPr lang="en-US" smtClean="0"/>
-              <a:t>2/7/22</a:t>
+              <a:t>2/22/22</a:t>
             </a:fld>
             <a:endParaRPr lang="en-US"/>
           </a:p>
@@ -2467,7 +2472,7 @@
           <a:p>
             <a:fld id="{97219364-2005-7641-8B17-0A01D5F53D15}" type="datetimeFigureOut">
               <a:rPr lang="en-US" smtClean="0"/>
-              <a:t>2/7/22</a:t>
+              <a:t>2/22/22</a:t>
             </a:fld>
             <a:endParaRPr lang="en-US"/>
           </a:p>
@@ -2609,7 +2614,7 @@
           <a:p>
             <a:fld id="{97219364-2005-7641-8B17-0A01D5F53D15}" type="datetimeFigureOut">
               <a:rPr lang="en-US" smtClean="0"/>
-              <a:t>2/7/22</a:t>
+              <a:t>2/22/22</a:t>
             </a:fld>
             <a:endParaRPr lang="en-US"/>
           </a:p>
@@ -2722,7 +2727,7 @@
           <a:p>
             <a:fld id="{97219364-2005-7641-8B17-0A01D5F53D15}" type="datetimeFigureOut">
               <a:rPr lang="en-US" smtClean="0"/>
-              <a:t>2/7/22</a:t>
+              <a:t>2/22/22</a:t>
             </a:fld>
             <a:endParaRPr lang="en-US"/>
           </a:p>
@@ -3035,7 +3040,7 @@
           <a:p>
             <a:fld id="{97219364-2005-7641-8B17-0A01D5F53D15}" type="datetimeFigureOut">
               <a:rPr lang="en-US" smtClean="0"/>
-              <a:t>2/7/22</a:t>
+              <a:t>2/22/22</a:t>
             </a:fld>
             <a:endParaRPr lang="en-US"/>
           </a:p>
@@ -3324,7 +3329,7 @@
           <a:p>
             <a:fld id="{97219364-2005-7641-8B17-0A01D5F53D15}" type="datetimeFigureOut">
               <a:rPr lang="en-US" smtClean="0"/>
-              <a:t>2/7/22</a:t>
+              <a:t>2/22/22</a:t>
             </a:fld>
             <a:endParaRPr lang="en-US"/>
           </a:p>
@@ -3567,7 +3572,7 @@
           <a:p>
             <a:fld id="{97219364-2005-7641-8B17-0A01D5F53D15}" type="datetimeFigureOut">
               <a:rPr lang="en-US" smtClean="0"/>
-              <a:t>2/7/22</a:t>
+              <a:t>2/22/22</a:t>
             </a:fld>
             <a:endParaRPr lang="en-US"/>
           </a:p>
@@ -5711,7 +5716,7 @@
         </p:nvSpPr>
         <p:spPr>
           <a:xfrm>
-            <a:off x="1872537" y="343020"/>
+            <a:off x="1872537" y="385062"/>
             <a:ext cx="8446926" cy="707886"/>
           </a:xfrm>
           <a:prstGeom prst="rect">
@@ -5735,7 +5740,1463 @@
                   </a:schemeClr>
                 </a:solidFill>
               </a:rPr>
-              <a:t>Memory Address*</a:t>
+              <a:t>Strong Consistency</a:t>
+            </a:r>
+          </a:p>
+        </p:txBody>
+      </p:sp>
+      <p:sp>
+        <p:nvSpPr>
+          <p:cNvPr id="3" name="Rectangle 2">
+            <a:extLst>
+              <a:ext uri="{FF2B5EF4-FFF2-40B4-BE49-F238E27FC236}">
+                <a16:creationId xmlns:a16="http://schemas.microsoft.com/office/drawing/2014/main" id="{57E180DF-DE85-9244-8588-5C5D730BFF6D}"/>
+              </a:ext>
+            </a:extLst>
+          </p:cNvPr>
+          <p:cNvSpPr/>
+          <p:nvPr/>
+        </p:nvSpPr>
+        <p:spPr>
+          <a:xfrm>
+            <a:off x="5023944" y="1839310"/>
+            <a:ext cx="2144111" cy="2785242"/>
+          </a:xfrm>
+          <a:prstGeom prst="rect">
+            <a:avLst/>
+          </a:prstGeom>
+          <a:solidFill>
+            <a:srgbClr val="002060"/>
+          </a:solidFill>
+          <a:ln>
+            <a:noFill/>
+          </a:ln>
+        </p:spPr>
+        <p:style>
+          <a:lnRef idx="2">
+            <a:schemeClr val="accent1">
+              <a:shade val="50000"/>
+            </a:schemeClr>
+          </a:lnRef>
+          <a:fillRef idx="1">
+            <a:schemeClr val="accent1"/>
+          </a:fillRef>
+          <a:effectRef idx="0">
+            <a:schemeClr val="accent1"/>
+          </a:effectRef>
+          <a:fontRef idx="minor">
+            <a:schemeClr val="lt1"/>
+          </a:fontRef>
+        </p:style>
+        <p:txBody>
+          <a:bodyPr rtlCol="0" anchor="ctr"/>
+          <a:lstStyle/>
+          <a:p>
+            <a:pPr algn="ctr"/>
+            <a:endParaRPr lang="en-US" dirty="0"/>
+          </a:p>
+        </p:txBody>
+      </p:sp>
+      <p:sp>
+        <p:nvSpPr>
+          <p:cNvPr id="4" name="Rectangle 3">
+            <a:extLst>
+              <a:ext uri="{FF2B5EF4-FFF2-40B4-BE49-F238E27FC236}">
+                <a16:creationId xmlns:a16="http://schemas.microsoft.com/office/drawing/2014/main" id="{9A2807D6-BF17-D340-AC87-541721A63147}"/>
+              </a:ext>
+            </a:extLst>
+          </p:cNvPr>
+          <p:cNvSpPr/>
+          <p:nvPr/>
+        </p:nvSpPr>
+        <p:spPr>
+          <a:xfrm>
+            <a:off x="5023943" y="1844565"/>
+            <a:ext cx="2144111" cy="472966"/>
+          </a:xfrm>
+          <a:prstGeom prst="rect">
+            <a:avLst/>
+          </a:prstGeom>
+          <a:solidFill>
+            <a:srgbClr val="002060"/>
+          </a:solidFill>
+        </p:spPr>
+        <p:style>
+          <a:lnRef idx="2">
+            <a:schemeClr val="accent1">
+              <a:shade val="50000"/>
+            </a:schemeClr>
+          </a:lnRef>
+          <a:fillRef idx="1">
+            <a:schemeClr val="accent1"/>
+          </a:fillRef>
+          <a:effectRef idx="0">
+            <a:schemeClr val="accent1"/>
+          </a:effectRef>
+          <a:fontRef idx="minor">
+            <a:schemeClr val="lt1"/>
+          </a:fontRef>
+        </p:style>
+        <p:txBody>
+          <a:bodyPr rtlCol="0" anchor="ctr"/>
+          <a:lstStyle/>
+          <a:p>
+            <a:pPr algn="ctr"/>
+            <a:r>
+              <a:rPr lang="en-US" b="1" dirty="0">
+                <a:solidFill>
+                  <a:schemeClr val="tx1"/>
+                </a:solidFill>
+              </a:rPr>
+              <a:t>Server</a:t>
+            </a:r>
+          </a:p>
+        </p:txBody>
+      </p:sp>
+      <p:sp>
+        <p:nvSpPr>
+          <p:cNvPr id="5" name="Rounded Rectangle 4">
+            <a:extLst>
+              <a:ext uri="{FF2B5EF4-FFF2-40B4-BE49-F238E27FC236}">
+                <a16:creationId xmlns:a16="http://schemas.microsoft.com/office/drawing/2014/main" id="{B209D964-1DDF-4544-A87D-EAA918D0A582}"/>
+              </a:ext>
+            </a:extLst>
+          </p:cNvPr>
+          <p:cNvSpPr/>
+          <p:nvPr/>
+        </p:nvSpPr>
+        <p:spPr>
+          <a:xfrm>
+            <a:off x="5355020" y="2848304"/>
+            <a:ext cx="1534510" cy="1692166"/>
+          </a:xfrm>
+          <a:prstGeom prst="roundRect">
+            <a:avLst/>
+          </a:prstGeom>
+        </p:spPr>
+        <p:style>
+          <a:lnRef idx="2">
+            <a:schemeClr val="accent1">
+              <a:shade val="50000"/>
+            </a:schemeClr>
+          </a:lnRef>
+          <a:fillRef idx="1">
+            <a:schemeClr val="accent1"/>
+          </a:fillRef>
+          <a:effectRef idx="0">
+            <a:schemeClr val="accent1"/>
+          </a:effectRef>
+          <a:fontRef idx="minor">
+            <a:schemeClr val="lt1"/>
+          </a:fontRef>
+        </p:style>
+        <p:txBody>
+          <a:bodyPr rtlCol="0" anchor="ctr"/>
+          <a:lstStyle/>
+          <a:p>
+            <a:pPr algn="ctr"/>
+            <a:r>
+              <a:rPr lang="en-US" dirty="0"/>
+              <a:t>Disk</a:t>
+            </a:r>
+          </a:p>
+          <a:p>
+            <a:pPr algn="ctr"/>
+            <a:endParaRPr lang="en-US" dirty="0"/>
+          </a:p>
+          <a:p>
+            <a:pPr algn="ctr"/>
+            <a:endParaRPr lang="en-US" dirty="0"/>
+          </a:p>
+          <a:p>
+            <a:pPr algn="ctr"/>
+            <a:endParaRPr lang="en-US" dirty="0"/>
+          </a:p>
+          <a:p>
+            <a:pPr algn="ctr"/>
+            <a:endParaRPr lang="en-US" dirty="0"/>
+          </a:p>
+          <a:p>
+            <a:pPr algn="ctr"/>
+            <a:endParaRPr lang="en-US" dirty="0"/>
+          </a:p>
+        </p:txBody>
+      </p:sp>
+      <p:sp>
+        <p:nvSpPr>
+          <p:cNvPr id="6" name="Rectangle 5">
+            <a:extLst>
+              <a:ext uri="{FF2B5EF4-FFF2-40B4-BE49-F238E27FC236}">
+                <a16:creationId xmlns:a16="http://schemas.microsoft.com/office/drawing/2014/main" id="{CBBE307F-ED35-4F47-B59A-17416F2FECEC}"/>
+              </a:ext>
+            </a:extLst>
+          </p:cNvPr>
+          <p:cNvSpPr/>
+          <p:nvPr/>
+        </p:nvSpPr>
+        <p:spPr>
+          <a:xfrm>
+            <a:off x="5602011" y="3226677"/>
+            <a:ext cx="987973" cy="1108841"/>
+          </a:xfrm>
+          <a:prstGeom prst="rect">
+            <a:avLst/>
+          </a:prstGeom>
+          <a:solidFill>
+            <a:srgbClr val="00B0F0"/>
+          </a:solidFill>
+        </p:spPr>
+        <p:style>
+          <a:lnRef idx="2">
+            <a:schemeClr val="accent1">
+              <a:shade val="50000"/>
+            </a:schemeClr>
+          </a:lnRef>
+          <a:fillRef idx="1">
+            <a:schemeClr val="accent1"/>
+          </a:fillRef>
+          <a:effectRef idx="0">
+            <a:schemeClr val="accent1"/>
+          </a:effectRef>
+          <a:fontRef idx="minor">
+            <a:schemeClr val="lt1"/>
+          </a:fontRef>
+        </p:style>
+        <p:txBody>
+          <a:bodyPr rtlCol="0" anchor="ctr"/>
+          <a:lstStyle/>
+          <a:p>
+            <a:pPr algn="ctr"/>
+            <a:endParaRPr lang="en-US" dirty="0"/>
+          </a:p>
+          <a:p>
+            <a:pPr algn="ctr"/>
+            <a:endParaRPr lang="en-US" dirty="0"/>
+          </a:p>
+          <a:p>
+            <a:pPr algn="ctr"/>
+            <a:endParaRPr lang="en-US" dirty="0"/>
+          </a:p>
+        </p:txBody>
+      </p:sp>
+      <p:sp>
+        <p:nvSpPr>
+          <p:cNvPr id="7" name="Rectangle 6">
+            <a:extLst>
+              <a:ext uri="{FF2B5EF4-FFF2-40B4-BE49-F238E27FC236}">
+                <a16:creationId xmlns:a16="http://schemas.microsoft.com/office/drawing/2014/main" id="{A1F8B932-51DB-094A-BEBA-A723BD896C91}"/>
+              </a:ext>
+            </a:extLst>
+          </p:cNvPr>
+          <p:cNvSpPr/>
+          <p:nvPr/>
+        </p:nvSpPr>
+        <p:spPr>
+          <a:xfrm>
+            <a:off x="5602011" y="3231931"/>
+            <a:ext cx="462453" cy="1103587"/>
+          </a:xfrm>
+          <a:prstGeom prst="rect">
+            <a:avLst/>
+          </a:prstGeom>
+        </p:spPr>
+        <p:style>
+          <a:lnRef idx="2">
+            <a:schemeClr val="accent1">
+              <a:shade val="50000"/>
+            </a:schemeClr>
+          </a:lnRef>
+          <a:fillRef idx="1">
+            <a:schemeClr val="accent1"/>
+          </a:fillRef>
+          <a:effectRef idx="0">
+            <a:schemeClr val="accent1"/>
+          </a:effectRef>
+          <a:fontRef idx="minor">
+            <a:schemeClr val="lt1"/>
+          </a:fontRef>
+        </p:style>
+        <p:txBody>
+          <a:bodyPr rtlCol="0" anchor="ctr"/>
+          <a:lstStyle/>
+          <a:p>
+            <a:pPr algn="ctr"/>
+            <a:endParaRPr lang="en-US" dirty="0"/>
+          </a:p>
+          <a:p>
+            <a:pPr algn="ctr"/>
+            <a:r>
+              <a:rPr lang="en-US" dirty="0"/>
+              <a:t>K</a:t>
+            </a:r>
+          </a:p>
+          <a:p>
+            <a:pPr algn="ctr"/>
+            <a:r>
+              <a:rPr lang="en-US" dirty="0">
+                <a:solidFill>
+                  <a:schemeClr val="bg1"/>
+                </a:solidFill>
+              </a:rPr>
+              <a:t>a</a:t>
+            </a:r>
+          </a:p>
+          <a:p>
+            <a:pPr algn="ctr"/>
+            <a:r>
+              <a:rPr lang="en-US" dirty="0">
+                <a:solidFill>
+                  <a:srgbClr val="FFFF00"/>
+                </a:solidFill>
+              </a:rPr>
+              <a:t>x</a:t>
+            </a:r>
+          </a:p>
+          <a:p>
+            <a:pPr algn="ctr"/>
+            <a:endParaRPr lang="en-US" dirty="0"/>
+          </a:p>
+          <a:p>
+            <a:pPr algn="ctr"/>
+            <a:endParaRPr lang="en-US" dirty="0"/>
+          </a:p>
+        </p:txBody>
+      </p:sp>
+      <p:sp>
+        <p:nvSpPr>
+          <p:cNvPr id="9" name="Rectangle 8">
+            <a:extLst>
+              <a:ext uri="{FF2B5EF4-FFF2-40B4-BE49-F238E27FC236}">
+                <a16:creationId xmlns:a16="http://schemas.microsoft.com/office/drawing/2014/main" id="{87B02214-1F2C-D14F-811B-BCDE8243CC92}"/>
+              </a:ext>
+            </a:extLst>
+          </p:cNvPr>
+          <p:cNvSpPr/>
+          <p:nvPr/>
+        </p:nvSpPr>
+        <p:spPr>
+          <a:xfrm>
+            <a:off x="6159064" y="3231931"/>
+            <a:ext cx="462453" cy="1103587"/>
+          </a:xfrm>
+          <a:prstGeom prst="rect">
+            <a:avLst/>
+          </a:prstGeom>
+        </p:spPr>
+        <p:style>
+          <a:lnRef idx="2">
+            <a:schemeClr val="accent1">
+              <a:shade val="50000"/>
+            </a:schemeClr>
+          </a:lnRef>
+          <a:fillRef idx="1">
+            <a:schemeClr val="accent1"/>
+          </a:fillRef>
+          <a:effectRef idx="0">
+            <a:schemeClr val="accent1"/>
+          </a:effectRef>
+          <a:fontRef idx="minor">
+            <a:schemeClr val="lt1"/>
+          </a:fontRef>
+        </p:style>
+        <p:txBody>
+          <a:bodyPr rtlCol="0" anchor="ctr"/>
+          <a:lstStyle/>
+          <a:p>
+            <a:pPr algn="ctr"/>
+            <a:endParaRPr lang="en-US" dirty="0"/>
+          </a:p>
+          <a:p>
+            <a:pPr algn="ctr"/>
+            <a:r>
+              <a:rPr lang="en-US" dirty="0"/>
+              <a:t>V</a:t>
+            </a:r>
+          </a:p>
+          <a:p>
+            <a:pPr algn="ctr"/>
+            <a:r>
+              <a:rPr lang="en-US" dirty="0">
+                <a:solidFill>
+                  <a:schemeClr val="bg1"/>
+                </a:solidFill>
+              </a:rPr>
+              <a:t>2</a:t>
+            </a:r>
+          </a:p>
+          <a:p>
+            <a:pPr algn="ctr"/>
+            <a:r>
+              <a:rPr lang="en-US" dirty="0">
+                <a:solidFill>
+                  <a:srgbClr val="FFFF00"/>
+                </a:solidFill>
+              </a:rPr>
+              <a:t>?</a:t>
+            </a:r>
+          </a:p>
+          <a:p>
+            <a:pPr algn="ctr"/>
+            <a:endParaRPr lang="en-US" dirty="0"/>
+          </a:p>
+          <a:p>
+            <a:pPr algn="ctr"/>
+            <a:endParaRPr lang="en-US" dirty="0"/>
+          </a:p>
+        </p:txBody>
+      </p:sp>
+      <p:sp>
+        <p:nvSpPr>
+          <p:cNvPr id="10" name="Oval 9">
+            <a:extLst>
+              <a:ext uri="{FF2B5EF4-FFF2-40B4-BE49-F238E27FC236}">
+                <a16:creationId xmlns:a16="http://schemas.microsoft.com/office/drawing/2014/main" id="{9369ACB5-FB21-1448-A840-94D0055AB6D2}"/>
+              </a:ext>
+            </a:extLst>
+          </p:cNvPr>
+          <p:cNvSpPr/>
+          <p:nvPr/>
+        </p:nvSpPr>
+        <p:spPr>
+          <a:xfrm>
+            <a:off x="1608077" y="1592223"/>
+            <a:ext cx="1366345" cy="1292772"/>
+          </a:xfrm>
+          <a:prstGeom prst="ellipse">
+            <a:avLst/>
+          </a:prstGeom>
+          <a:solidFill>
+            <a:srgbClr val="FFFF00"/>
+          </a:solidFill>
+        </p:spPr>
+        <p:style>
+          <a:lnRef idx="2">
+            <a:schemeClr val="accent1">
+              <a:shade val="50000"/>
+            </a:schemeClr>
+          </a:lnRef>
+          <a:fillRef idx="1">
+            <a:schemeClr val="accent1"/>
+          </a:fillRef>
+          <a:effectRef idx="0">
+            <a:schemeClr val="accent1"/>
+          </a:effectRef>
+          <a:fontRef idx="minor">
+            <a:schemeClr val="lt1"/>
+          </a:fontRef>
+        </p:style>
+        <p:txBody>
+          <a:bodyPr rtlCol="0" anchor="ctr"/>
+          <a:lstStyle/>
+          <a:p>
+            <a:pPr algn="ctr"/>
+            <a:r>
+              <a:rPr lang="en-US" dirty="0">
+                <a:solidFill>
+                  <a:schemeClr val="bg1"/>
+                </a:solidFill>
+              </a:rPr>
+              <a:t>Client 1</a:t>
+            </a:r>
+          </a:p>
+        </p:txBody>
+      </p:sp>
+      <p:sp>
+        <p:nvSpPr>
+          <p:cNvPr id="11" name="Oval 10">
+            <a:extLst>
+              <a:ext uri="{FF2B5EF4-FFF2-40B4-BE49-F238E27FC236}">
+                <a16:creationId xmlns:a16="http://schemas.microsoft.com/office/drawing/2014/main" id="{F35F6E87-BB1A-A744-9367-129C3C42DD93}"/>
+              </a:ext>
+            </a:extLst>
+          </p:cNvPr>
+          <p:cNvSpPr/>
+          <p:nvPr/>
+        </p:nvSpPr>
+        <p:spPr>
+          <a:xfrm>
+            <a:off x="1608076" y="4106917"/>
+            <a:ext cx="1366345" cy="1292772"/>
+          </a:xfrm>
+          <a:prstGeom prst="ellipse">
+            <a:avLst/>
+          </a:prstGeom>
+          <a:solidFill>
+            <a:srgbClr val="FFFF00"/>
+          </a:solidFill>
+        </p:spPr>
+        <p:style>
+          <a:lnRef idx="2">
+            <a:schemeClr val="accent1">
+              <a:shade val="50000"/>
+            </a:schemeClr>
+          </a:lnRef>
+          <a:fillRef idx="1">
+            <a:schemeClr val="accent1"/>
+          </a:fillRef>
+          <a:effectRef idx="0">
+            <a:schemeClr val="accent1"/>
+          </a:effectRef>
+          <a:fontRef idx="minor">
+            <a:schemeClr val="lt1"/>
+          </a:fontRef>
+        </p:style>
+        <p:txBody>
+          <a:bodyPr rtlCol="0" anchor="ctr"/>
+          <a:lstStyle/>
+          <a:p>
+            <a:pPr algn="ctr"/>
+            <a:r>
+              <a:rPr lang="en-US" dirty="0">
+                <a:solidFill>
+                  <a:schemeClr val="bg1"/>
+                </a:solidFill>
+              </a:rPr>
+              <a:t>Client 2</a:t>
+            </a:r>
+          </a:p>
+        </p:txBody>
+      </p:sp>
+      <p:sp>
+        <p:nvSpPr>
+          <p:cNvPr id="12" name="Oval 11">
+            <a:extLst>
+              <a:ext uri="{FF2B5EF4-FFF2-40B4-BE49-F238E27FC236}">
+                <a16:creationId xmlns:a16="http://schemas.microsoft.com/office/drawing/2014/main" id="{470F81F5-5539-8F4B-9191-B58EB60FA7BC}"/>
+              </a:ext>
+            </a:extLst>
+          </p:cNvPr>
+          <p:cNvSpPr/>
+          <p:nvPr/>
+        </p:nvSpPr>
+        <p:spPr>
+          <a:xfrm>
+            <a:off x="9217578" y="1592223"/>
+            <a:ext cx="1366345" cy="1292772"/>
+          </a:xfrm>
+          <a:prstGeom prst="ellipse">
+            <a:avLst/>
+          </a:prstGeom>
+          <a:solidFill>
+            <a:srgbClr val="FFFF00"/>
+          </a:solidFill>
+        </p:spPr>
+        <p:style>
+          <a:lnRef idx="2">
+            <a:schemeClr val="accent1">
+              <a:shade val="50000"/>
+            </a:schemeClr>
+          </a:lnRef>
+          <a:fillRef idx="1">
+            <a:schemeClr val="accent1"/>
+          </a:fillRef>
+          <a:effectRef idx="0">
+            <a:schemeClr val="accent1"/>
+          </a:effectRef>
+          <a:fontRef idx="minor">
+            <a:schemeClr val="lt1"/>
+          </a:fontRef>
+        </p:style>
+        <p:txBody>
+          <a:bodyPr rtlCol="0" anchor="ctr"/>
+          <a:lstStyle/>
+          <a:p>
+            <a:pPr algn="ctr"/>
+            <a:r>
+              <a:rPr lang="en-US" dirty="0">
+                <a:solidFill>
+                  <a:schemeClr val="bg1"/>
+                </a:solidFill>
+              </a:rPr>
+              <a:t>Client 3</a:t>
+            </a:r>
+          </a:p>
+        </p:txBody>
+      </p:sp>
+      <p:sp>
+        <p:nvSpPr>
+          <p:cNvPr id="13" name="Oval 12">
+            <a:extLst>
+              <a:ext uri="{FF2B5EF4-FFF2-40B4-BE49-F238E27FC236}">
+                <a16:creationId xmlns:a16="http://schemas.microsoft.com/office/drawing/2014/main" id="{CB281D86-6A53-864C-BFBC-A09D8E9258D5}"/>
+              </a:ext>
+            </a:extLst>
+          </p:cNvPr>
+          <p:cNvSpPr/>
+          <p:nvPr/>
+        </p:nvSpPr>
+        <p:spPr>
+          <a:xfrm>
+            <a:off x="9217577" y="4106917"/>
+            <a:ext cx="1366345" cy="1292772"/>
+          </a:xfrm>
+          <a:prstGeom prst="ellipse">
+            <a:avLst/>
+          </a:prstGeom>
+          <a:solidFill>
+            <a:srgbClr val="FFFF00"/>
+          </a:solidFill>
+        </p:spPr>
+        <p:style>
+          <a:lnRef idx="2">
+            <a:schemeClr val="accent1">
+              <a:shade val="50000"/>
+            </a:schemeClr>
+          </a:lnRef>
+          <a:fillRef idx="1">
+            <a:schemeClr val="accent1"/>
+          </a:fillRef>
+          <a:effectRef idx="0">
+            <a:schemeClr val="accent1"/>
+          </a:effectRef>
+          <a:fontRef idx="minor">
+            <a:schemeClr val="lt1"/>
+          </a:fontRef>
+        </p:style>
+        <p:txBody>
+          <a:bodyPr rtlCol="0" anchor="ctr"/>
+          <a:lstStyle/>
+          <a:p>
+            <a:pPr algn="ctr"/>
+            <a:r>
+              <a:rPr lang="en-US" dirty="0">
+                <a:solidFill>
+                  <a:schemeClr val="bg1"/>
+                </a:solidFill>
+              </a:rPr>
+              <a:t>Client 4</a:t>
+            </a:r>
+          </a:p>
+        </p:txBody>
+      </p:sp>
+      <p:cxnSp>
+        <p:nvCxnSpPr>
+          <p:cNvPr id="15" name="Straight Arrow Connector 14">
+            <a:extLst>
+              <a:ext uri="{FF2B5EF4-FFF2-40B4-BE49-F238E27FC236}">
+                <a16:creationId xmlns:a16="http://schemas.microsoft.com/office/drawing/2014/main" id="{7BE25C1B-EDEC-F34A-B7BA-75EC0FF05414}"/>
+              </a:ext>
+            </a:extLst>
+          </p:cNvPr>
+          <p:cNvCxnSpPr>
+            <a:stCxn id="10" idx="6"/>
+            <a:endCxn id="3" idx="1"/>
+          </p:cNvCxnSpPr>
+          <p:nvPr/>
+        </p:nvCxnSpPr>
+        <p:spPr>
+          <a:xfrm>
+            <a:off x="2974422" y="2238609"/>
+            <a:ext cx="2049522" cy="993322"/>
+          </a:xfrm>
+          <a:prstGeom prst="straightConnector1">
+            <a:avLst/>
+          </a:prstGeom>
+          <a:ln>
+            <a:tailEnd type="triangle"/>
+          </a:ln>
+        </p:spPr>
+        <p:style>
+          <a:lnRef idx="1">
+            <a:schemeClr val="accent1"/>
+          </a:lnRef>
+          <a:fillRef idx="0">
+            <a:schemeClr val="accent1"/>
+          </a:fillRef>
+          <a:effectRef idx="0">
+            <a:schemeClr val="accent1"/>
+          </a:effectRef>
+          <a:fontRef idx="minor">
+            <a:schemeClr val="tx1"/>
+          </a:fontRef>
+        </p:style>
+      </p:cxnSp>
+      <p:sp>
+        <p:nvSpPr>
+          <p:cNvPr id="16" name="TextBox 15">
+            <a:extLst>
+              <a:ext uri="{FF2B5EF4-FFF2-40B4-BE49-F238E27FC236}">
+                <a16:creationId xmlns:a16="http://schemas.microsoft.com/office/drawing/2014/main" id="{ADC2E166-8C86-B046-8262-1980E57E9C37}"/>
+              </a:ext>
+            </a:extLst>
+          </p:cNvPr>
+          <p:cNvSpPr txBox="1"/>
+          <p:nvPr/>
+        </p:nvSpPr>
+        <p:spPr>
+          <a:xfrm>
+            <a:off x="3365644" y="2550604"/>
+            <a:ext cx="1267078" cy="369332"/>
+          </a:xfrm>
+          <a:prstGeom prst="rect">
+            <a:avLst/>
+          </a:prstGeom>
+          <a:noFill/>
+        </p:spPr>
+        <p:txBody>
+          <a:bodyPr wrap="none" rtlCol="0">
+            <a:spAutoFit/>
+          </a:bodyPr>
+          <a:lstStyle/>
+          <a:p>
+            <a:r>
+              <a:rPr lang="en-US" dirty="0"/>
+              <a:t>Write x -&gt; 1</a:t>
+            </a:r>
+          </a:p>
+        </p:txBody>
+      </p:sp>
+      <p:cxnSp>
+        <p:nvCxnSpPr>
+          <p:cNvPr id="18" name="Straight Arrow Connector 17">
+            <a:extLst>
+              <a:ext uri="{FF2B5EF4-FFF2-40B4-BE49-F238E27FC236}">
+                <a16:creationId xmlns:a16="http://schemas.microsoft.com/office/drawing/2014/main" id="{784515A4-4D12-9744-9541-5C2DBD7C01A1}"/>
+              </a:ext>
+            </a:extLst>
+          </p:cNvPr>
+          <p:cNvCxnSpPr>
+            <a:stCxn id="11" idx="6"/>
+            <a:endCxn id="3" idx="1"/>
+          </p:cNvCxnSpPr>
+          <p:nvPr/>
+        </p:nvCxnSpPr>
+        <p:spPr>
+          <a:xfrm flipV="1">
+            <a:off x="2974421" y="3231931"/>
+            <a:ext cx="2049523" cy="1521372"/>
+          </a:xfrm>
+          <a:prstGeom prst="straightConnector1">
+            <a:avLst/>
+          </a:prstGeom>
+          <a:ln>
+            <a:tailEnd type="triangle"/>
+          </a:ln>
+        </p:spPr>
+        <p:style>
+          <a:lnRef idx="1">
+            <a:schemeClr val="accent1"/>
+          </a:lnRef>
+          <a:fillRef idx="0">
+            <a:schemeClr val="accent1"/>
+          </a:fillRef>
+          <a:effectRef idx="0">
+            <a:schemeClr val="accent1"/>
+          </a:effectRef>
+          <a:fontRef idx="minor">
+            <a:schemeClr val="tx1"/>
+          </a:fontRef>
+        </p:style>
+      </p:cxnSp>
+      <p:sp>
+        <p:nvSpPr>
+          <p:cNvPr id="19" name="TextBox 18">
+            <a:extLst>
+              <a:ext uri="{FF2B5EF4-FFF2-40B4-BE49-F238E27FC236}">
+                <a16:creationId xmlns:a16="http://schemas.microsoft.com/office/drawing/2014/main" id="{724708C6-F6CE-6948-956F-5FDA0FBB1158}"/>
+              </a:ext>
+            </a:extLst>
+          </p:cNvPr>
+          <p:cNvSpPr txBox="1"/>
+          <p:nvPr/>
+        </p:nvSpPr>
+        <p:spPr>
+          <a:xfrm>
+            <a:off x="3365644" y="3922251"/>
+            <a:ext cx="1267078" cy="369332"/>
+          </a:xfrm>
+          <a:prstGeom prst="rect">
+            <a:avLst/>
+          </a:prstGeom>
+          <a:noFill/>
+        </p:spPr>
+        <p:txBody>
+          <a:bodyPr wrap="none" rtlCol="0">
+            <a:spAutoFit/>
+          </a:bodyPr>
+          <a:lstStyle/>
+          <a:p>
+            <a:r>
+              <a:rPr lang="en-US" dirty="0"/>
+              <a:t>Write x -&gt; 2</a:t>
+            </a:r>
+          </a:p>
+        </p:txBody>
+      </p:sp>
+      <p:cxnSp>
+        <p:nvCxnSpPr>
+          <p:cNvPr id="22" name="Straight Arrow Connector 21">
+            <a:extLst>
+              <a:ext uri="{FF2B5EF4-FFF2-40B4-BE49-F238E27FC236}">
+                <a16:creationId xmlns:a16="http://schemas.microsoft.com/office/drawing/2014/main" id="{FDC9904D-575C-E64C-88D2-C415DBA329AA}"/>
+              </a:ext>
+            </a:extLst>
+          </p:cNvPr>
+          <p:cNvCxnSpPr>
+            <a:stCxn id="12" idx="2"/>
+            <a:endCxn id="3" idx="3"/>
+          </p:cNvCxnSpPr>
+          <p:nvPr/>
+        </p:nvCxnSpPr>
+        <p:spPr>
+          <a:xfrm flipH="1">
+            <a:off x="7168055" y="2238609"/>
+            <a:ext cx="2049523" cy="993322"/>
+          </a:xfrm>
+          <a:prstGeom prst="straightConnector1">
+            <a:avLst/>
+          </a:prstGeom>
+          <a:ln>
+            <a:tailEnd type="triangle"/>
+          </a:ln>
+        </p:spPr>
+        <p:style>
+          <a:lnRef idx="1">
+            <a:schemeClr val="accent1"/>
+          </a:lnRef>
+          <a:fillRef idx="0">
+            <a:schemeClr val="accent1"/>
+          </a:fillRef>
+          <a:effectRef idx="0">
+            <a:schemeClr val="accent1"/>
+          </a:effectRef>
+          <a:fontRef idx="minor">
+            <a:schemeClr val="tx1"/>
+          </a:fontRef>
+        </p:style>
+      </p:cxnSp>
+      <p:cxnSp>
+        <p:nvCxnSpPr>
+          <p:cNvPr id="24" name="Straight Arrow Connector 23">
+            <a:extLst>
+              <a:ext uri="{FF2B5EF4-FFF2-40B4-BE49-F238E27FC236}">
+                <a16:creationId xmlns:a16="http://schemas.microsoft.com/office/drawing/2014/main" id="{47F7AADF-C5CF-AE41-A0A8-02DED7B1A6EC}"/>
+              </a:ext>
+            </a:extLst>
+          </p:cNvPr>
+          <p:cNvCxnSpPr>
+            <a:stCxn id="13" idx="2"/>
+            <a:endCxn id="3" idx="3"/>
+          </p:cNvCxnSpPr>
+          <p:nvPr/>
+        </p:nvCxnSpPr>
+        <p:spPr>
+          <a:xfrm flipH="1" flipV="1">
+            <a:off x="7168055" y="3231931"/>
+            <a:ext cx="2049522" cy="1521372"/>
+          </a:xfrm>
+          <a:prstGeom prst="straightConnector1">
+            <a:avLst/>
+          </a:prstGeom>
+          <a:ln>
+            <a:tailEnd type="triangle"/>
+          </a:ln>
+        </p:spPr>
+        <p:style>
+          <a:lnRef idx="1">
+            <a:schemeClr val="accent1"/>
+          </a:lnRef>
+          <a:fillRef idx="0">
+            <a:schemeClr val="accent1"/>
+          </a:fillRef>
+          <a:effectRef idx="0">
+            <a:schemeClr val="accent1"/>
+          </a:effectRef>
+          <a:fontRef idx="minor">
+            <a:schemeClr val="tx1"/>
+          </a:fontRef>
+        </p:style>
+      </p:cxnSp>
+      <p:sp>
+        <p:nvSpPr>
+          <p:cNvPr id="25" name="TextBox 24">
+            <a:extLst>
+              <a:ext uri="{FF2B5EF4-FFF2-40B4-BE49-F238E27FC236}">
+                <a16:creationId xmlns:a16="http://schemas.microsoft.com/office/drawing/2014/main" id="{AE4FB970-39BD-9944-A31F-7DC885091A4C}"/>
+              </a:ext>
+            </a:extLst>
+          </p:cNvPr>
+          <p:cNvSpPr txBox="1"/>
+          <p:nvPr/>
+        </p:nvSpPr>
+        <p:spPr>
+          <a:xfrm>
+            <a:off x="7514316" y="2550604"/>
+            <a:ext cx="1134413" cy="369332"/>
+          </a:xfrm>
+          <a:prstGeom prst="rect">
+            <a:avLst/>
+          </a:prstGeom>
+          <a:noFill/>
+        </p:spPr>
+        <p:txBody>
+          <a:bodyPr wrap="none" rtlCol="0">
+            <a:spAutoFit/>
+          </a:bodyPr>
+          <a:lstStyle/>
+          <a:p>
+            <a:r>
+              <a:rPr lang="en-US" dirty="0"/>
+              <a:t>Read x = ?</a:t>
+            </a:r>
+          </a:p>
+        </p:txBody>
+      </p:sp>
+      <p:sp>
+        <p:nvSpPr>
+          <p:cNvPr id="26" name="TextBox 25">
+            <a:extLst>
+              <a:ext uri="{FF2B5EF4-FFF2-40B4-BE49-F238E27FC236}">
+                <a16:creationId xmlns:a16="http://schemas.microsoft.com/office/drawing/2014/main" id="{8270AD70-F92F-4346-A6C4-E9338ECF407A}"/>
+              </a:ext>
+            </a:extLst>
+          </p:cNvPr>
+          <p:cNvSpPr txBox="1"/>
+          <p:nvPr/>
+        </p:nvSpPr>
+        <p:spPr>
+          <a:xfrm>
+            <a:off x="7525476" y="3913258"/>
+            <a:ext cx="1134413" cy="369332"/>
+          </a:xfrm>
+          <a:prstGeom prst="rect">
+            <a:avLst/>
+          </a:prstGeom>
+          <a:noFill/>
+        </p:spPr>
+        <p:txBody>
+          <a:bodyPr wrap="none" rtlCol="0">
+            <a:spAutoFit/>
+          </a:bodyPr>
+          <a:lstStyle/>
+          <a:p>
+            <a:r>
+              <a:rPr lang="en-US" dirty="0"/>
+              <a:t>Read x = ?</a:t>
+            </a:r>
+          </a:p>
+        </p:txBody>
+      </p:sp>
+      <p:sp>
+        <p:nvSpPr>
+          <p:cNvPr id="27" name="Rectangle 26">
+            <a:extLst>
+              <a:ext uri="{FF2B5EF4-FFF2-40B4-BE49-F238E27FC236}">
+                <a16:creationId xmlns:a16="http://schemas.microsoft.com/office/drawing/2014/main" id="{F42E01F7-791C-EF48-9CE0-AC342A53EE20}"/>
+              </a:ext>
+            </a:extLst>
+          </p:cNvPr>
+          <p:cNvSpPr/>
+          <p:nvPr/>
+        </p:nvSpPr>
+        <p:spPr>
+          <a:xfrm>
+            <a:off x="4632722" y="5378891"/>
+            <a:ext cx="3037352" cy="1316421"/>
+          </a:xfrm>
+          <a:prstGeom prst="rect">
+            <a:avLst/>
+          </a:prstGeom>
+          <a:solidFill>
+            <a:schemeClr val="tx1"/>
+          </a:solidFill>
+        </p:spPr>
+        <p:style>
+          <a:lnRef idx="2">
+            <a:schemeClr val="accent1">
+              <a:shade val="50000"/>
+            </a:schemeClr>
+          </a:lnRef>
+          <a:fillRef idx="1">
+            <a:schemeClr val="accent1"/>
+          </a:fillRef>
+          <a:effectRef idx="0">
+            <a:schemeClr val="accent1"/>
+          </a:effectRef>
+          <a:fontRef idx="minor">
+            <a:schemeClr val="lt1"/>
+          </a:fontRef>
+        </p:style>
+        <p:txBody>
+          <a:bodyPr rtlCol="0" anchor="ctr"/>
+          <a:lstStyle/>
+          <a:p>
+            <a:pPr algn="ctr"/>
+            <a:endParaRPr lang="en-US" dirty="0"/>
+          </a:p>
+        </p:txBody>
+      </p:sp>
+      <p:sp>
+        <p:nvSpPr>
+          <p:cNvPr id="28" name="TextBox 27">
+            <a:extLst>
+              <a:ext uri="{FF2B5EF4-FFF2-40B4-BE49-F238E27FC236}">
+                <a16:creationId xmlns:a16="http://schemas.microsoft.com/office/drawing/2014/main" id="{AC6E73DB-D9BA-A849-8821-8DA82B0E8614}"/>
+              </a:ext>
+            </a:extLst>
+          </p:cNvPr>
+          <p:cNvSpPr txBox="1"/>
+          <p:nvPr/>
+        </p:nvSpPr>
+        <p:spPr>
+          <a:xfrm>
+            <a:off x="5446428" y="5071243"/>
+            <a:ext cx="1299138" cy="369332"/>
+          </a:xfrm>
+          <a:prstGeom prst="rect">
+            <a:avLst/>
+          </a:prstGeom>
+          <a:noFill/>
+        </p:spPr>
+        <p:txBody>
+          <a:bodyPr wrap="none" rtlCol="0">
+            <a:spAutoFit/>
+          </a:bodyPr>
+          <a:lstStyle/>
+          <a:p>
+            <a:r>
+              <a:rPr lang="en-US" dirty="0"/>
+              <a:t>Time Stamp</a:t>
+            </a:r>
+          </a:p>
+        </p:txBody>
+      </p:sp>
+      <p:sp>
+        <p:nvSpPr>
+          <p:cNvPr id="29" name="Rounded Rectangle 28">
+            <a:extLst>
+              <a:ext uri="{FF2B5EF4-FFF2-40B4-BE49-F238E27FC236}">
+                <a16:creationId xmlns:a16="http://schemas.microsoft.com/office/drawing/2014/main" id="{72FD4CC8-2917-2049-8DEA-FF68224ADA2A}"/>
+              </a:ext>
+            </a:extLst>
+          </p:cNvPr>
+          <p:cNvSpPr/>
+          <p:nvPr/>
+        </p:nvSpPr>
+        <p:spPr>
+          <a:xfrm>
+            <a:off x="4753668" y="5418399"/>
+            <a:ext cx="683029" cy="266542"/>
+          </a:xfrm>
+          <a:prstGeom prst="roundRect">
+            <a:avLst/>
+          </a:prstGeom>
+          <a:solidFill>
+            <a:srgbClr val="FFFF00"/>
+          </a:solidFill>
+          <a:ln>
+            <a:solidFill>
+              <a:schemeClr val="bg1"/>
+            </a:solidFill>
+          </a:ln>
+        </p:spPr>
+        <p:style>
+          <a:lnRef idx="2">
+            <a:schemeClr val="accent1">
+              <a:shade val="50000"/>
+            </a:schemeClr>
+          </a:lnRef>
+          <a:fillRef idx="1">
+            <a:schemeClr val="accent1"/>
+          </a:fillRef>
+          <a:effectRef idx="0">
+            <a:schemeClr val="accent1"/>
+          </a:effectRef>
+          <a:fontRef idx="minor">
+            <a:schemeClr val="lt1"/>
+          </a:fontRef>
+        </p:style>
+        <p:txBody>
+          <a:bodyPr rtlCol="0" anchor="ctr"/>
+          <a:lstStyle/>
+          <a:p>
+            <a:pPr algn="ctr"/>
+            <a:r>
+              <a:rPr lang="en-US" sz="1200" b="1" dirty="0">
+                <a:solidFill>
+                  <a:schemeClr val="bg1"/>
+                </a:solidFill>
+              </a:rPr>
+              <a:t>Client1</a:t>
+            </a:r>
+          </a:p>
+        </p:txBody>
+      </p:sp>
+      <p:sp>
+        <p:nvSpPr>
+          <p:cNvPr id="36" name="Rounded Rectangle 35">
+            <a:extLst>
+              <a:ext uri="{FF2B5EF4-FFF2-40B4-BE49-F238E27FC236}">
+                <a16:creationId xmlns:a16="http://schemas.microsoft.com/office/drawing/2014/main" id="{36F56600-977C-A24F-B86C-243859C3D338}"/>
+              </a:ext>
+            </a:extLst>
+          </p:cNvPr>
+          <p:cNvSpPr/>
+          <p:nvPr/>
+        </p:nvSpPr>
+        <p:spPr>
+          <a:xfrm>
+            <a:off x="4753665" y="5750359"/>
+            <a:ext cx="683029" cy="266542"/>
+          </a:xfrm>
+          <a:prstGeom prst="roundRect">
+            <a:avLst/>
+          </a:prstGeom>
+          <a:solidFill>
+            <a:srgbClr val="FFFF00"/>
+          </a:solidFill>
+          <a:ln>
+            <a:solidFill>
+              <a:schemeClr val="bg1"/>
+            </a:solidFill>
+          </a:ln>
+        </p:spPr>
+        <p:style>
+          <a:lnRef idx="2">
+            <a:schemeClr val="accent1">
+              <a:shade val="50000"/>
+            </a:schemeClr>
+          </a:lnRef>
+          <a:fillRef idx="1">
+            <a:schemeClr val="accent1"/>
+          </a:fillRef>
+          <a:effectRef idx="0">
+            <a:schemeClr val="accent1"/>
+          </a:effectRef>
+          <a:fontRef idx="minor">
+            <a:schemeClr val="lt1"/>
+          </a:fontRef>
+        </p:style>
+        <p:txBody>
+          <a:bodyPr rtlCol="0" anchor="ctr"/>
+          <a:lstStyle/>
+          <a:p>
+            <a:pPr algn="ctr"/>
+            <a:r>
+              <a:rPr lang="en-US" sz="1200" b="1" dirty="0">
+                <a:solidFill>
+                  <a:schemeClr val="bg1"/>
+                </a:solidFill>
+              </a:rPr>
+              <a:t>Client2</a:t>
+            </a:r>
+          </a:p>
+        </p:txBody>
+      </p:sp>
+      <p:sp>
+        <p:nvSpPr>
+          <p:cNvPr id="37" name="Rounded Rectangle 36">
+            <a:extLst>
+              <a:ext uri="{FF2B5EF4-FFF2-40B4-BE49-F238E27FC236}">
+                <a16:creationId xmlns:a16="http://schemas.microsoft.com/office/drawing/2014/main" id="{7458F63C-1943-D349-8798-47F7B1896FED}"/>
+              </a:ext>
+            </a:extLst>
+          </p:cNvPr>
+          <p:cNvSpPr/>
+          <p:nvPr/>
+        </p:nvSpPr>
+        <p:spPr>
+          <a:xfrm>
+            <a:off x="4743149" y="6078354"/>
+            <a:ext cx="683029" cy="266542"/>
+          </a:xfrm>
+          <a:prstGeom prst="roundRect">
+            <a:avLst/>
+          </a:prstGeom>
+          <a:solidFill>
+            <a:srgbClr val="FFFF00"/>
+          </a:solidFill>
+          <a:ln>
+            <a:solidFill>
+              <a:schemeClr val="bg1"/>
+            </a:solidFill>
+          </a:ln>
+        </p:spPr>
+        <p:style>
+          <a:lnRef idx="2">
+            <a:schemeClr val="accent1">
+              <a:shade val="50000"/>
+            </a:schemeClr>
+          </a:lnRef>
+          <a:fillRef idx="1">
+            <a:schemeClr val="accent1"/>
+          </a:fillRef>
+          <a:effectRef idx="0">
+            <a:schemeClr val="accent1"/>
+          </a:effectRef>
+          <a:fontRef idx="minor">
+            <a:schemeClr val="lt1"/>
+          </a:fontRef>
+        </p:style>
+        <p:txBody>
+          <a:bodyPr rtlCol="0" anchor="ctr"/>
+          <a:lstStyle/>
+          <a:p>
+            <a:pPr algn="ctr"/>
+            <a:r>
+              <a:rPr lang="en-US" sz="1200" b="1" dirty="0">
+                <a:solidFill>
+                  <a:schemeClr val="bg1"/>
+                </a:solidFill>
+              </a:rPr>
+              <a:t>Client3</a:t>
+            </a:r>
+          </a:p>
+        </p:txBody>
+      </p:sp>
+      <p:sp>
+        <p:nvSpPr>
+          <p:cNvPr id="38" name="Rounded Rectangle 37">
+            <a:extLst>
+              <a:ext uri="{FF2B5EF4-FFF2-40B4-BE49-F238E27FC236}">
+                <a16:creationId xmlns:a16="http://schemas.microsoft.com/office/drawing/2014/main" id="{67C1A41D-4744-C441-A707-EC24E06B6BB4}"/>
+              </a:ext>
+            </a:extLst>
+          </p:cNvPr>
+          <p:cNvSpPr/>
+          <p:nvPr/>
+        </p:nvSpPr>
+        <p:spPr>
+          <a:xfrm>
+            <a:off x="4743149" y="6408474"/>
+            <a:ext cx="683029" cy="266542"/>
+          </a:xfrm>
+          <a:prstGeom prst="roundRect">
+            <a:avLst/>
+          </a:prstGeom>
+          <a:solidFill>
+            <a:srgbClr val="FFFF00"/>
+          </a:solidFill>
+          <a:ln>
+            <a:solidFill>
+              <a:schemeClr val="bg1"/>
+            </a:solidFill>
+          </a:ln>
+        </p:spPr>
+        <p:style>
+          <a:lnRef idx="2">
+            <a:schemeClr val="accent1">
+              <a:shade val="50000"/>
+            </a:schemeClr>
+          </a:lnRef>
+          <a:fillRef idx="1">
+            <a:schemeClr val="accent1"/>
+          </a:fillRef>
+          <a:effectRef idx="0">
+            <a:schemeClr val="accent1"/>
+          </a:effectRef>
+          <a:fontRef idx="minor">
+            <a:schemeClr val="lt1"/>
+          </a:fontRef>
+        </p:style>
+        <p:txBody>
+          <a:bodyPr rtlCol="0" anchor="ctr"/>
+          <a:lstStyle/>
+          <a:p>
+            <a:pPr algn="ctr"/>
+            <a:r>
+              <a:rPr lang="en-US" sz="1200" b="1" dirty="0">
+                <a:solidFill>
+                  <a:schemeClr val="bg1"/>
+                </a:solidFill>
+              </a:rPr>
+              <a:t>Client4</a:t>
+            </a:r>
+          </a:p>
+        </p:txBody>
+      </p:sp>
+      <p:sp>
+        <p:nvSpPr>
+          <p:cNvPr id="39" name="Rounded Rectangle 38">
+            <a:extLst>
+              <a:ext uri="{FF2B5EF4-FFF2-40B4-BE49-F238E27FC236}">
+                <a16:creationId xmlns:a16="http://schemas.microsoft.com/office/drawing/2014/main" id="{F44965A5-2C84-4047-A90F-A39219076E05}"/>
+              </a:ext>
+            </a:extLst>
+          </p:cNvPr>
+          <p:cNvSpPr/>
+          <p:nvPr/>
+        </p:nvSpPr>
+        <p:spPr>
+          <a:xfrm>
+            <a:off x="5554387" y="5414714"/>
+            <a:ext cx="578068" cy="273912"/>
+          </a:xfrm>
+          <a:prstGeom prst="roundRect">
+            <a:avLst/>
+          </a:prstGeom>
+        </p:spPr>
+        <p:style>
+          <a:lnRef idx="2">
+            <a:schemeClr val="accent1">
+              <a:shade val="50000"/>
+            </a:schemeClr>
+          </a:lnRef>
+          <a:fillRef idx="1">
+            <a:schemeClr val="accent1"/>
+          </a:fillRef>
+          <a:effectRef idx="0">
+            <a:schemeClr val="accent1"/>
+          </a:effectRef>
+          <a:fontRef idx="minor">
+            <a:schemeClr val="lt1"/>
+          </a:fontRef>
+        </p:style>
+        <p:txBody>
+          <a:bodyPr rtlCol="0" anchor="ctr"/>
+          <a:lstStyle/>
+          <a:p>
+            <a:pPr algn="ctr"/>
+            <a:r>
+              <a:rPr lang="en-US" sz="1200" dirty="0"/>
+              <a:t>Wx1</a:t>
+            </a:r>
+          </a:p>
+        </p:txBody>
+      </p:sp>
+      <p:sp>
+        <p:nvSpPr>
+          <p:cNvPr id="40" name="Rounded Rectangle 39">
+            <a:extLst>
+              <a:ext uri="{FF2B5EF4-FFF2-40B4-BE49-F238E27FC236}">
+                <a16:creationId xmlns:a16="http://schemas.microsoft.com/office/drawing/2014/main" id="{55153D57-2C0C-9F43-8219-4E8D625A653B}"/>
+              </a:ext>
+            </a:extLst>
+          </p:cNvPr>
+          <p:cNvSpPr/>
+          <p:nvPr/>
+        </p:nvSpPr>
+        <p:spPr>
+          <a:xfrm>
+            <a:off x="5556462" y="5746674"/>
+            <a:ext cx="578068" cy="273912"/>
+          </a:xfrm>
+          <a:prstGeom prst="roundRect">
+            <a:avLst/>
+          </a:prstGeom>
+        </p:spPr>
+        <p:style>
+          <a:lnRef idx="2">
+            <a:schemeClr val="accent1">
+              <a:shade val="50000"/>
+            </a:schemeClr>
+          </a:lnRef>
+          <a:fillRef idx="1">
+            <a:schemeClr val="accent1"/>
+          </a:fillRef>
+          <a:effectRef idx="0">
+            <a:schemeClr val="accent1"/>
+          </a:effectRef>
+          <a:fontRef idx="minor">
+            <a:schemeClr val="lt1"/>
+          </a:fontRef>
+        </p:style>
+        <p:txBody>
+          <a:bodyPr rtlCol="0" anchor="ctr"/>
+          <a:lstStyle/>
+          <a:p>
+            <a:pPr algn="ctr"/>
+            <a:r>
+              <a:rPr lang="en-US" sz="1200" dirty="0"/>
+              <a:t>Wx2</a:t>
+            </a:r>
+          </a:p>
+        </p:txBody>
+      </p:sp>
+      <p:sp>
+        <p:nvSpPr>
+          <p:cNvPr id="41" name="Rounded Rectangle 40">
+            <a:extLst>
+              <a:ext uri="{FF2B5EF4-FFF2-40B4-BE49-F238E27FC236}">
+                <a16:creationId xmlns:a16="http://schemas.microsoft.com/office/drawing/2014/main" id="{B6DC36CE-E663-3641-AE54-A292DBA130F9}"/>
+              </a:ext>
+            </a:extLst>
+          </p:cNvPr>
+          <p:cNvSpPr/>
+          <p:nvPr/>
+        </p:nvSpPr>
+        <p:spPr>
+          <a:xfrm>
+            <a:off x="6254298" y="6016901"/>
+            <a:ext cx="578068" cy="273912"/>
+          </a:xfrm>
+          <a:prstGeom prst="roundRect">
+            <a:avLst/>
+          </a:prstGeom>
+        </p:spPr>
+        <p:style>
+          <a:lnRef idx="2">
+            <a:schemeClr val="accent1">
+              <a:shade val="50000"/>
+            </a:schemeClr>
+          </a:lnRef>
+          <a:fillRef idx="1">
+            <a:schemeClr val="accent1"/>
+          </a:fillRef>
+          <a:effectRef idx="0">
+            <a:schemeClr val="accent1"/>
+          </a:effectRef>
+          <a:fontRef idx="minor">
+            <a:schemeClr val="lt1"/>
+          </a:fontRef>
+        </p:style>
+        <p:txBody>
+          <a:bodyPr rtlCol="0" anchor="ctr"/>
+          <a:lstStyle/>
+          <a:p>
+            <a:pPr algn="ctr"/>
+            <a:r>
+              <a:rPr lang="en-US" sz="1200" dirty="0"/>
+              <a:t>Rx?</a:t>
+            </a:r>
+          </a:p>
+        </p:txBody>
+      </p:sp>
+      <p:sp>
+        <p:nvSpPr>
+          <p:cNvPr id="42" name="Rounded Rectangle 41">
+            <a:extLst>
+              <a:ext uri="{FF2B5EF4-FFF2-40B4-BE49-F238E27FC236}">
+                <a16:creationId xmlns:a16="http://schemas.microsoft.com/office/drawing/2014/main" id="{4D0F8630-6270-B342-B688-CA06F6ED255C}"/>
+              </a:ext>
+            </a:extLst>
+          </p:cNvPr>
+          <p:cNvSpPr/>
+          <p:nvPr/>
+        </p:nvSpPr>
+        <p:spPr>
+          <a:xfrm>
+            <a:off x="6916449" y="6344896"/>
+            <a:ext cx="578068" cy="273912"/>
+          </a:xfrm>
+          <a:prstGeom prst="roundRect">
+            <a:avLst/>
+          </a:prstGeom>
+        </p:spPr>
+        <p:style>
+          <a:lnRef idx="2">
+            <a:schemeClr val="accent1">
+              <a:shade val="50000"/>
+            </a:schemeClr>
+          </a:lnRef>
+          <a:fillRef idx="1">
+            <a:schemeClr val="accent1"/>
+          </a:fillRef>
+          <a:effectRef idx="0">
+            <a:schemeClr val="accent1"/>
+          </a:effectRef>
+          <a:fontRef idx="minor">
+            <a:schemeClr val="lt1"/>
+          </a:fontRef>
+        </p:style>
+        <p:txBody>
+          <a:bodyPr rtlCol="0" anchor="ctr"/>
+          <a:lstStyle/>
+          <a:p>
+            <a:pPr algn="ctr"/>
+            <a:r>
+              <a:rPr lang="en-US" sz="1200" dirty="0"/>
+              <a:t>Rx?</a:t>
             </a:r>
           </a:p>
         </p:txBody>

--- a/docs/figures/figures.pptx
+++ b/docs/figures/figures.pptx
@@ -5,12 +5,13 @@
     <p:sldMasterId id="2147483648" r:id="rId1"/>
   </p:sldMasterIdLst>
   <p:notesMasterIdLst>
-    <p:notesMasterId r:id="rId5"/>
+    <p:notesMasterId r:id="rId6"/>
   </p:notesMasterIdLst>
   <p:sldIdLst>
     <p:sldId id="329" r:id="rId2"/>
     <p:sldId id="330" r:id="rId3"/>
-    <p:sldId id="331" r:id="rId4"/>
+    <p:sldId id="332" r:id="rId4"/>
+    <p:sldId id="331" r:id="rId5"/>
   </p:sldIdLst>
   <p:sldSz cx="12192000" cy="6858000"/>
   <p:notesSz cx="6858000" cy="9144000"/>
@@ -698,9 +699,93 @@
           <a:bodyPr/>
           <a:lstStyle/>
           <a:p>
+            <a:fld id="{8F009FD7-1E8A-C34F-BD1C-F507C0C77381}" type="slidenum">
+              <a:rPr lang="en-US" smtClean="0"/>
+              <a:t>3</a:t>
+            </a:fld>
+            <a:endParaRPr lang="en-US"/>
+          </a:p>
+        </p:txBody>
+      </p:sp>
+    </p:spTree>
+    <p:extLst>
+      <p:ext uri="{BB962C8B-B14F-4D97-AF65-F5344CB8AC3E}">
+        <p14:creationId xmlns:p14="http://schemas.microsoft.com/office/powerpoint/2010/main" val="626778311"/>
+      </p:ext>
+    </p:extLst>
+  </p:cSld>
+  <p:clrMapOvr>
+    <a:masterClrMapping/>
+  </p:clrMapOvr>
+</p:notes>
+</file>
+
+<file path=ppt/notesSlides/notesSlide4.xml><?xml version="1.0" encoding="utf-8"?>
+<p:notes xmlns:a="http://schemas.openxmlformats.org/drawingml/2006/main" xmlns:r="http://schemas.openxmlformats.org/officeDocument/2006/relationships" xmlns:p="http://schemas.openxmlformats.org/presentationml/2006/main">
+  <p:cSld>
+    <p:spTree>
+      <p:nvGrpSpPr>
+        <p:cNvPr id="1" name=""/>
+        <p:cNvGrpSpPr/>
+        <p:nvPr/>
+      </p:nvGrpSpPr>
+      <p:grpSpPr>
+        <a:xfrm>
+          <a:off x="0" y="0"/>
+          <a:ext cx="0" cy="0"/>
+          <a:chOff x="0" y="0"/>
+          <a:chExt cx="0" cy="0"/>
+        </a:xfrm>
+      </p:grpSpPr>
+      <p:sp>
+        <p:nvSpPr>
+          <p:cNvPr id="2" name="Slide Image Placeholder 1"/>
+          <p:cNvSpPr>
+            <a:spLocks noGrp="1" noRot="1" noChangeAspect="1"/>
+          </p:cNvSpPr>
+          <p:nvPr>
+            <p:ph type="sldImg"/>
+          </p:nvPr>
+        </p:nvSpPr>
+        <p:spPr/>
+      </p:sp>
+      <p:sp>
+        <p:nvSpPr>
+          <p:cNvPr id="3" name="Notes Placeholder 2"/>
+          <p:cNvSpPr>
+            <a:spLocks noGrp="1"/>
+          </p:cNvSpPr>
+          <p:nvPr>
+            <p:ph type="body" idx="1"/>
+          </p:nvPr>
+        </p:nvSpPr>
+        <p:spPr/>
+        <p:txBody>
+          <a:bodyPr/>
+          <a:lstStyle/>
+          <a:p>
+            <a:endParaRPr lang="en-US" dirty="0"/>
+          </a:p>
+        </p:txBody>
+      </p:sp>
+      <p:sp>
+        <p:nvSpPr>
+          <p:cNvPr id="4" name="Slide Number Placeholder 3"/>
+          <p:cNvSpPr>
+            <a:spLocks noGrp="1"/>
+          </p:cNvSpPr>
+          <p:nvPr>
+            <p:ph type="sldNum" sz="quarter" idx="5"/>
+          </p:nvPr>
+        </p:nvSpPr>
+        <p:spPr/>
+        <p:txBody>
+          <a:bodyPr/>
+          <a:lstStyle/>
+          <a:p>
             <a:fld id="{997274CE-51E2-314F-8544-5E91EE33A09F}" type="slidenum">
               <a:rPr lang="en-US" smtClean="0"/>
-              <a:t>3</a:t>
+              <a:t>4</a:t>
             </a:fld>
             <a:endParaRPr lang="en-US"/>
           </a:p>
@@ -5716,7 +5801,7 @@
         </p:nvSpPr>
         <p:spPr>
           <a:xfrm>
-            <a:off x="1872537" y="385062"/>
+            <a:off x="1872534" y="413624"/>
             <a:ext cx="8446926" cy="707886"/>
           </a:xfrm>
           <a:prstGeom prst="rect">
@@ -7215,6 +7300,2108 @@
 </file>
 
 <file path=ppt/slides/slide3.xml><?xml version="1.0" encoding="utf-8"?>
+<p:sld xmlns:a="http://schemas.openxmlformats.org/drawingml/2006/main" xmlns:r="http://schemas.openxmlformats.org/officeDocument/2006/relationships" xmlns:p="http://schemas.openxmlformats.org/presentationml/2006/main">
+  <p:cSld>
+    <p:spTree>
+      <p:nvGrpSpPr>
+        <p:cNvPr id="1" name=""/>
+        <p:cNvGrpSpPr/>
+        <p:nvPr/>
+      </p:nvGrpSpPr>
+      <p:grpSpPr>
+        <a:xfrm>
+          <a:off x="0" y="0"/>
+          <a:ext cx="0" cy="0"/>
+          <a:chOff x="0" y="0"/>
+          <a:chExt cx="0" cy="0"/>
+        </a:xfrm>
+      </p:grpSpPr>
+      <p:sp>
+        <p:nvSpPr>
+          <p:cNvPr id="2" name="TextBox 1">
+            <a:extLst>
+              <a:ext uri="{FF2B5EF4-FFF2-40B4-BE49-F238E27FC236}">
+                <a16:creationId xmlns:a16="http://schemas.microsoft.com/office/drawing/2014/main" id="{F1536046-6ECE-8740-945E-1584745763C3}"/>
+              </a:ext>
+            </a:extLst>
+          </p:cNvPr>
+          <p:cNvSpPr txBox="1"/>
+          <p:nvPr/>
+        </p:nvSpPr>
+        <p:spPr>
+          <a:xfrm>
+            <a:off x="1872537" y="343020"/>
+            <a:ext cx="8446926" cy="707886"/>
+          </a:xfrm>
+          <a:prstGeom prst="rect">
+            <a:avLst/>
+          </a:prstGeom>
+          <a:noFill/>
+        </p:spPr>
+        <p:txBody>
+          <a:bodyPr wrap="square" rtlCol="0">
+            <a:spAutoFit/>
+          </a:bodyPr>
+          <a:lstStyle/>
+          <a:p>
+            <a:pPr algn="ctr"/>
+            <a:r>
+              <a:rPr lang="en-US" sz="4000" dirty="0">
+                <a:solidFill>
+                  <a:schemeClr val="accent1">
+                    <a:lumMod val="60000"/>
+                    <a:lumOff val="40000"/>
+                  </a:schemeClr>
+                </a:solidFill>
+              </a:rPr>
+              <a:t>Consistency with Replica</a:t>
+            </a:r>
+          </a:p>
+        </p:txBody>
+      </p:sp>
+      <p:sp>
+        <p:nvSpPr>
+          <p:cNvPr id="3" name="Rectangle 2">
+            <a:extLst>
+              <a:ext uri="{FF2B5EF4-FFF2-40B4-BE49-F238E27FC236}">
+                <a16:creationId xmlns:a16="http://schemas.microsoft.com/office/drawing/2014/main" id="{63217FBF-C7F4-2748-B41C-567F0D90989C}"/>
+              </a:ext>
+            </a:extLst>
+          </p:cNvPr>
+          <p:cNvSpPr/>
+          <p:nvPr/>
+        </p:nvSpPr>
+        <p:spPr>
+          <a:xfrm>
+            <a:off x="5023944" y="1292772"/>
+            <a:ext cx="1944415" cy="1589690"/>
+          </a:xfrm>
+          <a:prstGeom prst="rect">
+            <a:avLst/>
+          </a:prstGeom>
+          <a:solidFill>
+            <a:srgbClr val="002060"/>
+          </a:solidFill>
+          <a:ln>
+            <a:noFill/>
+          </a:ln>
+        </p:spPr>
+        <p:style>
+          <a:lnRef idx="2">
+            <a:schemeClr val="accent1">
+              <a:shade val="50000"/>
+            </a:schemeClr>
+          </a:lnRef>
+          <a:fillRef idx="1">
+            <a:schemeClr val="accent1"/>
+          </a:fillRef>
+          <a:effectRef idx="0">
+            <a:schemeClr val="accent1"/>
+          </a:effectRef>
+          <a:fontRef idx="minor">
+            <a:schemeClr val="lt1"/>
+          </a:fontRef>
+        </p:style>
+        <p:txBody>
+          <a:bodyPr rtlCol="0" anchor="ctr"/>
+          <a:lstStyle/>
+          <a:p>
+            <a:pPr algn="ctr"/>
+            <a:endParaRPr lang="en-US" dirty="0"/>
+          </a:p>
+        </p:txBody>
+      </p:sp>
+      <p:sp>
+        <p:nvSpPr>
+          <p:cNvPr id="4" name="Rectangle 3">
+            <a:extLst>
+              <a:ext uri="{FF2B5EF4-FFF2-40B4-BE49-F238E27FC236}">
+                <a16:creationId xmlns:a16="http://schemas.microsoft.com/office/drawing/2014/main" id="{7D3A49C6-A372-604C-9409-C99B93721DA3}"/>
+              </a:ext>
+            </a:extLst>
+          </p:cNvPr>
+          <p:cNvSpPr/>
+          <p:nvPr/>
+        </p:nvSpPr>
+        <p:spPr>
+          <a:xfrm>
+            <a:off x="5023943" y="1298027"/>
+            <a:ext cx="1944415" cy="269948"/>
+          </a:xfrm>
+          <a:prstGeom prst="rect">
+            <a:avLst/>
+          </a:prstGeom>
+          <a:solidFill>
+            <a:srgbClr val="002060"/>
+          </a:solidFill>
+        </p:spPr>
+        <p:style>
+          <a:lnRef idx="2">
+            <a:schemeClr val="accent1">
+              <a:shade val="50000"/>
+            </a:schemeClr>
+          </a:lnRef>
+          <a:fillRef idx="1">
+            <a:schemeClr val="accent1"/>
+          </a:fillRef>
+          <a:effectRef idx="0">
+            <a:schemeClr val="accent1"/>
+          </a:effectRef>
+          <a:fontRef idx="minor">
+            <a:schemeClr val="lt1"/>
+          </a:fontRef>
+        </p:style>
+        <p:txBody>
+          <a:bodyPr rtlCol="0" anchor="ctr"/>
+          <a:lstStyle/>
+          <a:p>
+            <a:pPr algn="ctr"/>
+            <a:r>
+              <a:rPr lang="en-US" b="1" dirty="0">
+                <a:solidFill>
+                  <a:schemeClr val="tx1"/>
+                </a:solidFill>
+              </a:rPr>
+              <a:t>Server 1</a:t>
+            </a:r>
+          </a:p>
+        </p:txBody>
+      </p:sp>
+      <p:sp>
+        <p:nvSpPr>
+          <p:cNvPr id="5" name="Rounded Rectangle 4">
+            <a:extLst>
+              <a:ext uri="{FF2B5EF4-FFF2-40B4-BE49-F238E27FC236}">
+                <a16:creationId xmlns:a16="http://schemas.microsoft.com/office/drawing/2014/main" id="{F36EB893-E58D-554E-A84D-DD0EA1848FCF}"/>
+              </a:ext>
+            </a:extLst>
+          </p:cNvPr>
+          <p:cNvSpPr/>
+          <p:nvPr/>
+        </p:nvSpPr>
+        <p:spPr>
+          <a:xfrm>
+            <a:off x="5325599" y="1865425"/>
+            <a:ext cx="1391590" cy="965812"/>
+          </a:xfrm>
+          <a:prstGeom prst="roundRect">
+            <a:avLst/>
+          </a:prstGeom>
+        </p:spPr>
+        <p:style>
+          <a:lnRef idx="2">
+            <a:schemeClr val="accent1">
+              <a:shade val="50000"/>
+            </a:schemeClr>
+          </a:lnRef>
+          <a:fillRef idx="1">
+            <a:schemeClr val="accent1"/>
+          </a:fillRef>
+          <a:effectRef idx="0">
+            <a:schemeClr val="accent1"/>
+          </a:effectRef>
+          <a:fontRef idx="minor">
+            <a:schemeClr val="lt1"/>
+          </a:fontRef>
+        </p:style>
+        <p:txBody>
+          <a:bodyPr rtlCol="0" anchor="ctr"/>
+          <a:lstStyle/>
+          <a:p>
+            <a:pPr algn="ctr"/>
+            <a:r>
+              <a:rPr lang="en-US" sz="1400" dirty="0"/>
+              <a:t>Disk 1</a:t>
+            </a:r>
+          </a:p>
+          <a:p>
+            <a:pPr algn="ctr"/>
+            <a:r>
+              <a:rPr lang="en-US" sz="1400" dirty="0"/>
+              <a:t>Replica 1</a:t>
+            </a:r>
+            <a:endParaRPr lang="en-US" dirty="0"/>
+          </a:p>
+          <a:p>
+            <a:pPr algn="ctr"/>
+            <a:endParaRPr lang="en-US" dirty="0"/>
+          </a:p>
+          <a:p>
+            <a:pPr algn="ctr"/>
+            <a:endParaRPr lang="en-US" dirty="0"/>
+          </a:p>
+          <a:p>
+            <a:pPr algn="ctr"/>
+            <a:endParaRPr lang="en-US" dirty="0"/>
+          </a:p>
+        </p:txBody>
+      </p:sp>
+      <p:sp>
+        <p:nvSpPr>
+          <p:cNvPr id="6" name="Rectangle 5">
+            <a:extLst>
+              <a:ext uri="{FF2B5EF4-FFF2-40B4-BE49-F238E27FC236}">
+                <a16:creationId xmlns:a16="http://schemas.microsoft.com/office/drawing/2014/main" id="{EB7A477A-5994-B24A-8B21-837523B961EE}"/>
+              </a:ext>
+            </a:extLst>
+          </p:cNvPr>
+          <p:cNvSpPr/>
+          <p:nvPr/>
+        </p:nvSpPr>
+        <p:spPr>
+          <a:xfrm>
+            <a:off x="5548172" y="2201360"/>
+            <a:ext cx="895956" cy="632876"/>
+          </a:xfrm>
+          <a:prstGeom prst="rect">
+            <a:avLst/>
+          </a:prstGeom>
+          <a:solidFill>
+            <a:srgbClr val="00B0F0"/>
+          </a:solidFill>
+        </p:spPr>
+        <p:style>
+          <a:lnRef idx="2">
+            <a:schemeClr val="accent1">
+              <a:shade val="50000"/>
+            </a:schemeClr>
+          </a:lnRef>
+          <a:fillRef idx="1">
+            <a:schemeClr val="accent1"/>
+          </a:fillRef>
+          <a:effectRef idx="0">
+            <a:schemeClr val="accent1"/>
+          </a:effectRef>
+          <a:fontRef idx="minor">
+            <a:schemeClr val="lt1"/>
+          </a:fontRef>
+        </p:style>
+        <p:txBody>
+          <a:bodyPr rtlCol="0" anchor="ctr"/>
+          <a:lstStyle/>
+          <a:p>
+            <a:pPr algn="ctr"/>
+            <a:endParaRPr lang="en-US" dirty="0"/>
+          </a:p>
+          <a:p>
+            <a:pPr algn="ctr"/>
+            <a:endParaRPr lang="en-US" dirty="0"/>
+          </a:p>
+          <a:p>
+            <a:pPr algn="ctr"/>
+            <a:endParaRPr lang="en-US" dirty="0"/>
+          </a:p>
+        </p:txBody>
+      </p:sp>
+      <p:sp>
+        <p:nvSpPr>
+          <p:cNvPr id="7" name="Rectangle 6">
+            <a:extLst>
+              <a:ext uri="{FF2B5EF4-FFF2-40B4-BE49-F238E27FC236}">
+                <a16:creationId xmlns:a16="http://schemas.microsoft.com/office/drawing/2014/main" id="{86B225D5-53A8-314E-B0E3-8AA7B346A4CE}"/>
+              </a:ext>
+            </a:extLst>
+          </p:cNvPr>
+          <p:cNvSpPr/>
+          <p:nvPr/>
+        </p:nvSpPr>
+        <p:spPr>
+          <a:xfrm>
+            <a:off x="5542304" y="2201360"/>
+            <a:ext cx="419382" cy="629877"/>
+          </a:xfrm>
+          <a:prstGeom prst="rect">
+            <a:avLst/>
+          </a:prstGeom>
+        </p:spPr>
+        <p:style>
+          <a:lnRef idx="2">
+            <a:schemeClr val="accent1">
+              <a:shade val="50000"/>
+            </a:schemeClr>
+          </a:lnRef>
+          <a:fillRef idx="1">
+            <a:schemeClr val="accent1"/>
+          </a:fillRef>
+          <a:effectRef idx="0">
+            <a:schemeClr val="accent1"/>
+          </a:effectRef>
+          <a:fontRef idx="minor">
+            <a:schemeClr val="lt1"/>
+          </a:fontRef>
+        </p:style>
+        <p:txBody>
+          <a:bodyPr rtlCol="0" anchor="ctr"/>
+          <a:lstStyle/>
+          <a:p>
+            <a:pPr algn="ctr"/>
+            <a:endParaRPr lang="en-US" dirty="0"/>
+          </a:p>
+          <a:p>
+            <a:pPr algn="ctr"/>
+            <a:endParaRPr lang="en-US" dirty="0"/>
+          </a:p>
+          <a:p>
+            <a:pPr algn="ctr"/>
+            <a:r>
+              <a:rPr lang="en-US" dirty="0">
+                <a:solidFill>
+                  <a:schemeClr val="bg1"/>
+                </a:solidFill>
+              </a:rPr>
+              <a:t>a</a:t>
+            </a:r>
+          </a:p>
+          <a:p>
+            <a:pPr algn="ctr"/>
+            <a:r>
+              <a:rPr lang="en-US" dirty="0">
+                <a:solidFill>
+                  <a:srgbClr val="FFFF00"/>
+                </a:solidFill>
+              </a:rPr>
+              <a:t>x</a:t>
+            </a:r>
+          </a:p>
+          <a:p>
+            <a:pPr algn="ctr"/>
+            <a:endParaRPr lang="en-US" dirty="0"/>
+          </a:p>
+          <a:p>
+            <a:pPr algn="ctr"/>
+            <a:endParaRPr lang="en-US" dirty="0"/>
+          </a:p>
+        </p:txBody>
+      </p:sp>
+      <p:sp>
+        <p:nvSpPr>
+          <p:cNvPr id="8" name="Rectangle 7">
+            <a:extLst>
+              <a:ext uri="{FF2B5EF4-FFF2-40B4-BE49-F238E27FC236}">
+                <a16:creationId xmlns:a16="http://schemas.microsoft.com/office/drawing/2014/main" id="{2844EA21-EAC6-DF4A-B994-80D7752CBC3D}"/>
+              </a:ext>
+            </a:extLst>
+          </p:cNvPr>
+          <p:cNvSpPr/>
+          <p:nvPr/>
+        </p:nvSpPr>
+        <p:spPr>
+          <a:xfrm>
+            <a:off x="6112513" y="2201360"/>
+            <a:ext cx="419382" cy="629877"/>
+          </a:xfrm>
+          <a:prstGeom prst="rect">
+            <a:avLst/>
+          </a:prstGeom>
+        </p:spPr>
+        <p:style>
+          <a:lnRef idx="2">
+            <a:schemeClr val="accent1">
+              <a:shade val="50000"/>
+            </a:schemeClr>
+          </a:lnRef>
+          <a:fillRef idx="1">
+            <a:schemeClr val="accent1"/>
+          </a:fillRef>
+          <a:effectRef idx="0">
+            <a:schemeClr val="accent1"/>
+          </a:effectRef>
+          <a:fontRef idx="minor">
+            <a:schemeClr val="lt1"/>
+          </a:fontRef>
+        </p:style>
+        <p:txBody>
+          <a:bodyPr rtlCol="0" anchor="ctr"/>
+          <a:lstStyle/>
+          <a:p>
+            <a:pPr algn="ctr"/>
+            <a:endParaRPr lang="en-US" dirty="0"/>
+          </a:p>
+          <a:p>
+            <a:pPr algn="ctr"/>
+            <a:endParaRPr lang="en-US" dirty="0"/>
+          </a:p>
+          <a:p>
+            <a:pPr algn="ctr"/>
+            <a:r>
+              <a:rPr lang="en-US" dirty="0">
+                <a:solidFill>
+                  <a:schemeClr val="bg1"/>
+                </a:solidFill>
+              </a:rPr>
+              <a:t>2</a:t>
+            </a:r>
+          </a:p>
+          <a:p>
+            <a:pPr algn="ctr"/>
+            <a:r>
+              <a:rPr lang="en-US" dirty="0">
+                <a:solidFill>
+                  <a:srgbClr val="FFFF00"/>
+                </a:solidFill>
+              </a:rPr>
+              <a:t>?</a:t>
+            </a:r>
+          </a:p>
+          <a:p>
+            <a:pPr algn="ctr"/>
+            <a:endParaRPr lang="en-US" dirty="0"/>
+          </a:p>
+          <a:p>
+            <a:pPr algn="ctr"/>
+            <a:endParaRPr lang="en-US" dirty="0"/>
+          </a:p>
+        </p:txBody>
+      </p:sp>
+      <p:sp>
+        <p:nvSpPr>
+          <p:cNvPr id="9" name="Rectangle 8">
+            <a:extLst>
+              <a:ext uri="{FF2B5EF4-FFF2-40B4-BE49-F238E27FC236}">
+                <a16:creationId xmlns:a16="http://schemas.microsoft.com/office/drawing/2014/main" id="{E9F5C224-CAE4-954C-BC80-C3BC543B28AF}"/>
+              </a:ext>
+            </a:extLst>
+          </p:cNvPr>
+          <p:cNvSpPr/>
+          <p:nvPr/>
+        </p:nvSpPr>
+        <p:spPr>
+          <a:xfrm>
+            <a:off x="5023944" y="3423745"/>
+            <a:ext cx="1944415" cy="1589690"/>
+          </a:xfrm>
+          <a:prstGeom prst="rect">
+            <a:avLst/>
+          </a:prstGeom>
+          <a:solidFill>
+            <a:srgbClr val="002060"/>
+          </a:solidFill>
+          <a:ln>
+            <a:noFill/>
+          </a:ln>
+        </p:spPr>
+        <p:style>
+          <a:lnRef idx="2">
+            <a:schemeClr val="accent1">
+              <a:shade val="50000"/>
+            </a:schemeClr>
+          </a:lnRef>
+          <a:fillRef idx="1">
+            <a:schemeClr val="accent1"/>
+          </a:fillRef>
+          <a:effectRef idx="0">
+            <a:schemeClr val="accent1"/>
+          </a:effectRef>
+          <a:fontRef idx="minor">
+            <a:schemeClr val="lt1"/>
+          </a:fontRef>
+        </p:style>
+        <p:txBody>
+          <a:bodyPr rtlCol="0" anchor="ctr"/>
+          <a:lstStyle/>
+          <a:p>
+            <a:pPr algn="ctr"/>
+            <a:endParaRPr lang="en-US" dirty="0"/>
+          </a:p>
+        </p:txBody>
+      </p:sp>
+      <p:sp>
+        <p:nvSpPr>
+          <p:cNvPr id="10" name="Rectangle 9">
+            <a:extLst>
+              <a:ext uri="{FF2B5EF4-FFF2-40B4-BE49-F238E27FC236}">
+                <a16:creationId xmlns:a16="http://schemas.microsoft.com/office/drawing/2014/main" id="{B8F6BEFE-A607-7A4D-B877-20D3DE88A43B}"/>
+              </a:ext>
+            </a:extLst>
+          </p:cNvPr>
+          <p:cNvSpPr/>
+          <p:nvPr/>
+        </p:nvSpPr>
+        <p:spPr>
+          <a:xfrm>
+            <a:off x="5023943" y="3429000"/>
+            <a:ext cx="1944415" cy="269948"/>
+          </a:xfrm>
+          <a:prstGeom prst="rect">
+            <a:avLst/>
+          </a:prstGeom>
+          <a:solidFill>
+            <a:srgbClr val="002060"/>
+          </a:solidFill>
+        </p:spPr>
+        <p:style>
+          <a:lnRef idx="2">
+            <a:schemeClr val="accent1">
+              <a:shade val="50000"/>
+            </a:schemeClr>
+          </a:lnRef>
+          <a:fillRef idx="1">
+            <a:schemeClr val="accent1"/>
+          </a:fillRef>
+          <a:effectRef idx="0">
+            <a:schemeClr val="accent1"/>
+          </a:effectRef>
+          <a:fontRef idx="minor">
+            <a:schemeClr val="lt1"/>
+          </a:fontRef>
+        </p:style>
+        <p:txBody>
+          <a:bodyPr rtlCol="0" anchor="ctr"/>
+          <a:lstStyle/>
+          <a:p>
+            <a:pPr algn="ctr"/>
+            <a:r>
+              <a:rPr lang="en-US" b="1" dirty="0">
+                <a:solidFill>
+                  <a:schemeClr val="tx1"/>
+                </a:solidFill>
+              </a:rPr>
+              <a:t>Server 2</a:t>
+            </a:r>
+          </a:p>
+        </p:txBody>
+      </p:sp>
+      <p:sp>
+        <p:nvSpPr>
+          <p:cNvPr id="11" name="Rounded Rectangle 10">
+            <a:extLst>
+              <a:ext uri="{FF2B5EF4-FFF2-40B4-BE49-F238E27FC236}">
+                <a16:creationId xmlns:a16="http://schemas.microsoft.com/office/drawing/2014/main" id="{EDFC7C84-087C-0649-8BB7-3A6DE2871942}"/>
+              </a:ext>
+            </a:extLst>
+          </p:cNvPr>
+          <p:cNvSpPr/>
+          <p:nvPr/>
+        </p:nvSpPr>
+        <p:spPr>
+          <a:xfrm>
+            <a:off x="5325599" y="3996398"/>
+            <a:ext cx="1391590" cy="965812"/>
+          </a:xfrm>
+          <a:prstGeom prst="roundRect">
+            <a:avLst/>
+          </a:prstGeom>
+        </p:spPr>
+        <p:style>
+          <a:lnRef idx="2">
+            <a:schemeClr val="accent1">
+              <a:shade val="50000"/>
+            </a:schemeClr>
+          </a:lnRef>
+          <a:fillRef idx="1">
+            <a:schemeClr val="accent1"/>
+          </a:fillRef>
+          <a:effectRef idx="0">
+            <a:schemeClr val="accent1"/>
+          </a:effectRef>
+          <a:fontRef idx="minor">
+            <a:schemeClr val="lt1"/>
+          </a:fontRef>
+        </p:style>
+        <p:txBody>
+          <a:bodyPr rtlCol="0" anchor="ctr"/>
+          <a:lstStyle/>
+          <a:p>
+            <a:pPr algn="ctr"/>
+            <a:r>
+              <a:rPr lang="en-US" sz="1400" dirty="0"/>
+              <a:t>Disk 2</a:t>
+            </a:r>
+          </a:p>
+          <a:p>
+            <a:pPr algn="ctr"/>
+            <a:r>
+              <a:rPr lang="en-US" sz="1400" dirty="0"/>
+              <a:t>Replica 2</a:t>
+            </a:r>
+            <a:endParaRPr lang="en-US" dirty="0"/>
+          </a:p>
+          <a:p>
+            <a:pPr algn="ctr"/>
+            <a:endParaRPr lang="en-US" dirty="0"/>
+          </a:p>
+          <a:p>
+            <a:pPr algn="ctr"/>
+            <a:endParaRPr lang="en-US" dirty="0"/>
+          </a:p>
+          <a:p>
+            <a:pPr algn="ctr"/>
+            <a:endParaRPr lang="en-US" dirty="0"/>
+          </a:p>
+        </p:txBody>
+      </p:sp>
+      <p:sp>
+        <p:nvSpPr>
+          <p:cNvPr id="12" name="Rectangle 11">
+            <a:extLst>
+              <a:ext uri="{FF2B5EF4-FFF2-40B4-BE49-F238E27FC236}">
+                <a16:creationId xmlns:a16="http://schemas.microsoft.com/office/drawing/2014/main" id="{7DDF71E4-CD42-7E41-9092-628BE48ADE27}"/>
+              </a:ext>
+            </a:extLst>
+          </p:cNvPr>
+          <p:cNvSpPr/>
+          <p:nvPr/>
+        </p:nvSpPr>
+        <p:spPr>
+          <a:xfrm>
+            <a:off x="5548172" y="4332333"/>
+            <a:ext cx="895956" cy="632876"/>
+          </a:xfrm>
+          <a:prstGeom prst="rect">
+            <a:avLst/>
+          </a:prstGeom>
+          <a:solidFill>
+            <a:srgbClr val="00B0F0"/>
+          </a:solidFill>
+        </p:spPr>
+        <p:style>
+          <a:lnRef idx="2">
+            <a:schemeClr val="accent1">
+              <a:shade val="50000"/>
+            </a:schemeClr>
+          </a:lnRef>
+          <a:fillRef idx="1">
+            <a:schemeClr val="accent1"/>
+          </a:fillRef>
+          <a:effectRef idx="0">
+            <a:schemeClr val="accent1"/>
+          </a:effectRef>
+          <a:fontRef idx="minor">
+            <a:schemeClr val="lt1"/>
+          </a:fontRef>
+        </p:style>
+        <p:txBody>
+          <a:bodyPr rtlCol="0" anchor="ctr"/>
+          <a:lstStyle/>
+          <a:p>
+            <a:pPr algn="ctr"/>
+            <a:endParaRPr lang="en-US" dirty="0"/>
+          </a:p>
+          <a:p>
+            <a:pPr algn="ctr"/>
+            <a:endParaRPr lang="en-US" dirty="0"/>
+          </a:p>
+          <a:p>
+            <a:pPr algn="ctr"/>
+            <a:endParaRPr lang="en-US" dirty="0"/>
+          </a:p>
+        </p:txBody>
+      </p:sp>
+      <p:sp>
+        <p:nvSpPr>
+          <p:cNvPr id="13" name="Rectangle 12">
+            <a:extLst>
+              <a:ext uri="{FF2B5EF4-FFF2-40B4-BE49-F238E27FC236}">
+                <a16:creationId xmlns:a16="http://schemas.microsoft.com/office/drawing/2014/main" id="{1DDC49B7-5B74-D94C-A12F-CC1482391C63}"/>
+              </a:ext>
+            </a:extLst>
+          </p:cNvPr>
+          <p:cNvSpPr/>
+          <p:nvPr/>
+        </p:nvSpPr>
+        <p:spPr>
+          <a:xfrm>
+            <a:off x="5542304" y="4332333"/>
+            <a:ext cx="419382" cy="629877"/>
+          </a:xfrm>
+          <a:prstGeom prst="rect">
+            <a:avLst/>
+          </a:prstGeom>
+        </p:spPr>
+        <p:style>
+          <a:lnRef idx="2">
+            <a:schemeClr val="accent1">
+              <a:shade val="50000"/>
+            </a:schemeClr>
+          </a:lnRef>
+          <a:fillRef idx="1">
+            <a:schemeClr val="accent1"/>
+          </a:fillRef>
+          <a:effectRef idx="0">
+            <a:schemeClr val="accent1"/>
+          </a:effectRef>
+          <a:fontRef idx="minor">
+            <a:schemeClr val="lt1"/>
+          </a:fontRef>
+        </p:style>
+        <p:txBody>
+          <a:bodyPr rtlCol="0" anchor="ctr"/>
+          <a:lstStyle/>
+          <a:p>
+            <a:pPr algn="ctr"/>
+            <a:endParaRPr lang="en-US" dirty="0"/>
+          </a:p>
+          <a:p>
+            <a:pPr algn="ctr"/>
+            <a:endParaRPr lang="en-US" dirty="0"/>
+          </a:p>
+          <a:p>
+            <a:pPr algn="ctr"/>
+            <a:r>
+              <a:rPr lang="en-US" dirty="0">
+                <a:solidFill>
+                  <a:schemeClr val="bg1"/>
+                </a:solidFill>
+              </a:rPr>
+              <a:t>a</a:t>
+            </a:r>
+          </a:p>
+          <a:p>
+            <a:pPr algn="ctr"/>
+            <a:r>
+              <a:rPr lang="en-US" dirty="0">
+                <a:solidFill>
+                  <a:srgbClr val="FFFF00"/>
+                </a:solidFill>
+              </a:rPr>
+              <a:t>x</a:t>
+            </a:r>
+          </a:p>
+          <a:p>
+            <a:pPr algn="ctr"/>
+            <a:endParaRPr lang="en-US" dirty="0"/>
+          </a:p>
+          <a:p>
+            <a:pPr algn="ctr"/>
+            <a:endParaRPr lang="en-US" dirty="0"/>
+          </a:p>
+        </p:txBody>
+      </p:sp>
+      <p:sp>
+        <p:nvSpPr>
+          <p:cNvPr id="14" name="Rectangle 13">
+            <a:extLst>
+              <a:ext uri="{FF2B5EF4-FFF2-40B4-BE49-F238E27FC236}">
+                <a16:creationId xmlns:a16="http://schemas.microsoft.com/office/drawing/2014/main" id="{5C76197C-1F09-7346-95E7-4882048D1F71}"/>
+              </a:ext>
+            </a:extLst>
+          </p:cNvPr>
+          <p:cNvSpPr/>
+          <p:nvPr/>
+        </p:nvSpPr>
+        <p:spPr>
+          <a:xfrm>
+            <a:off x="6112513" y="4332333"/>
+            <a:ext cx="419382" cy="629877"/>
+          </a:xfrm>
+          <a:prstGeom prst="rect">
+            <a:avLst/>
+          </a:prstGeom>
+        </p:spPr>
+        <p:style>
+          <a:lnRef idx="2">
+            <a:schemeClr val="accent1">
+              <a:shade val="50000"/>
+            </a:schemeClr>
+          </a:lnRef>
+          <a:fillRef idx="1">
+            <a:schemeClr val="accent1"/>
+          </a:fillRef>
+          <a:effectRef idx="0">
+            <a:schemeClr val="accent1"/>
+          </a:effectRef>
+          <a:fontRef idx="minor">
+            <a:schemeClr val="lt1"/>
+          </a:fontRef>
+        </p:style>
+        <p:txBody>
+          <a:bodyPr rtlCol="0" anchor="ctr"/>
+          <a:lstStyle/>
+          <a:p>
+            <a:pPr algn="ctr"/>
+            <a:endParaRPr lang="en-US" dirty="0"/>
+          </a:p>
+          <a:p>
+            <a:pPr algn="ctr"/>
+            <a:endParaRPr lang="en-US" dirty="0">
+              <a:solidFill>
+                <a:schemeClr val="bg1"/>
+              </a:solidFill>
+            </a:endParaRPr>
+          </a:p>
+          <a:p>
+            <a:pPr algn="ctr"/>
+            <a:r>
+              <a:rPr lang="en-US" dirty="0">
+                <a:solidFill>
+                  <a:schemeClr val="bg1"/>
+                </a:solidFill>
+              </a:rPr>
+              <a:t>2</a:t>
+            </a:r>
+          </a:p>
+          <a:p>
+            <a:pPr algn="ctr"/>
+            <a:r>
+              <a:rPr lang="en-US" dirty="0">
+                <a:solidFill>
+                  <a:srgbClr val="FFFF00"/>
+                </a:solidFill>
+              </a:rPr>
+              <a:t>?</a:t>
+            </a:r>
+          </a:p>
+          <a:p>
+            <a:pPr algn="ctr"/>
+            <a:endParaRPr lang="en-US" dirty="0"/>
+          </a:p>
+          <a:p>
+            <a:pPr algn="ctr"/>
+            <a:endParaRPr lang="en-US" dirty="0"/>
+          </a:p>
+        </p:txBody>
+      </p:sp>
+      <p:sp>
+        <p:nvSpPr>
+          <p:cNvPr id="15" name="Rectangle 14">
+            <a:extLst>
+              <a:ext uri="{FF2B5EF4-FFF2-40B4-BE49-F238E27FC236}">
+                <a16:creationId xmlns:a16="http://schemas.microsoft.com/office/drawing/2014/main" id="{971FEF0D-87C2-C848-986C-14D3504C6772}"/>
+              </a:ext>
+            </a:extLst>
+          </p:cNvPr>
+          <p:cNvSpPr/>
+          <p:nvPr/>
+        </p:nvSpPr>
+        <p:spPr>
+          <a:xfrm>
+            <a:off x="4511893" y="5433867"/>
+            <a:ext cx="3037352" cy="1316421"/>
+          </a:xfrm>
+          <a:prstGeom prst="rect">
+            <a:avLst/>
+          </a:prstGeom>
+          <a:solidFill>
+            <a:schemeClr val="tx1"/>
+          </a:solidFill>
+        </p:spPr>
+        <p:style>
+          <a:lnRef idx="2">
+            <a:schemeClr val="accent1">
+              <a:shade val="50000"/>
+            </a:schemeClr>
+          </a:lnRef>
+          <a:fillRef idx="1">
+            <a:schemeClr val="accent1"/>
+          </a:fillRef>
+          <a:effectRef idx="0">
+            <a:schemeClr val="accent1"/>
+          </a:effectRef>
+          <a:fontRef idx="minor">
+            <a:schemeClr val="lt1"/>
+          </a:fontRef>
+        </p:style>
+        <p:txBody>
+          <a:bodyPr rtlCol="0" anchor="ctr"/>
+          <a:lstStyle/>
+          <a:p>
+            <a:pPr algn="ctr"/>
+            <a:endParaRPr lang="en-US" dirty="0"/>
+          </a:p>
+        </p:txBody>
+      </p:sp>
+      <p:sp>
+        <p:nvSpPr>
+          <p:cNvPr id="16" name="TextBox 15">
+            <a:extLst>
+              <a:ext uri="{FF2B5EF4-FFF2-40B4-BE49-F238E27FC236}">
+                <a16:creationId xmlns:a16="http://schemas.microsoft.com/office/drawing/2014/main" id="{CE93791C-F779-6840-BCD7-310A1BA58674}"/>
+              </a:ext>
+            </a:extLst>
+          </p:cNvPr>
+          <p:cNvSpPr txBox="1"/>
+          <p:nvPr/>
+        </p:nvSpPr>
+        <p:spPr>
+          <a:xfrm>
+            <a:off x="5325599" y="5126219"/>
+            <a:ext cx="1299138" cy="369332"/>
+          </a:xfrm>
+          <a:prstGeom prst="rect">
+            <a:avLst/>
+          </a:prstGeom>
+          <a:noFill/>
+        </p:spPr>
+        <p:txBody>
+          <a:bodyPr wrap="none" rtlCol="0">
+            <a:spAutoFit/>
+          </a:bodyPr>
+          <a:lstStyle/>
+          <a:p>
+            <a:r>
+              <a:rPr lang="en-US" dirty="0"/>
+              <a:t>Time Stamp</a:t>
+            </a:r>
+          </a:p>
+        </p:txBody>
+      </p:sp>
+      <p:sp>
+        <p:nvSpPr>
+          <p:cNvPr id="17" name="Rounded Rectangle 16">
+            <a:extLst>
+              <a:ext uri="{FF2B5EF4-FFF2-40B4-BE49-F238E27FC236}">
+                <a16:creationId xmlns:a16="http://schemas.microsoft.com/office/drawing/2014/main" id="{3AD0B89D-5E59-F741-A8DD-F2367A155FD1}"/>
+              </a:ext>
+            </a:extLst>
+          </p:cNvPr>
+          <p:cNvSpPr/>
+          <p:nvPr/>
+        </p:nvSpPr>
+        <p:spPr>
+          <a:xfrm>
+            <a:off x="4632839" y="5473375"/>
+            <a:ext cx="683029" cy="266542"/>
+          </a:xfrm>
+          <a:prstGeom prst="roundRect">
+            <a:avLst/>
+          </a:prstGeom>
+          <a:solidFill>
+            <a:srgbClr val="FFFF00"/>
+          </a:solidFill>
+          <a:ln>
+            <a:solidFill>
+              <a:schemeClr val="bg1"/>
+            </a:solidFill>
+          </a:ln>
+        </p:spPr>
+        <p:style>
+          <a:lnRef idx="2">
+            <a:schemeClr val="accent1">
+              <a:shade val="50000"/>
+            </a:schemeClr>
+          </a:lnRef>
+          <a:fillRef idx="1">
+            <a:schemeClr val="accent1"/>
+          </a:fillRef>
+          <a:effectRef idx="0">
+            <a:schemeClr val="accent1"/>
+          </a:effectRef>
+          <a:fontRef idx="minor">
+            <a:schemeClr val="lt1"/>
+          </a:fontRef>
+        </p:style>
+        <p:txBody>
+          <a:bodyPr rtlCol="0" anchor="ctr"/>
+          <a:lstStyle/>
+          <a:p>
+            <a:pPr algn="ctr"/>
+            <a:r>
+              <a:rPr lang="en-US" sz="1200" b="1" dirty="0">
+                <a:solidFill>
+                  <a:schemeClr val="bg1"/>
+                </a:solidFill>
+              </a:rPr>
+              <a:t>Client1</a:t>
+            </a:r>
+          </a:p>
+        </p:txBody>
+      </p:sp>
+      <p:sp>
+        <p:nvSpPr>
+          <p:cNvPr id="18" name="Rounded Rectangle 17">
+            <a:extLst>
+              <a:ext uri="{FF2B5EF4-FFF2-40B4-BE49-F238E27FC236}">
+                <a16:creationId xmlns:a16="http://schemas.microsoft.com/office/drawing/2014/main" id="{54902126-6F9E-C04F-8B2A-B0BCB768E910}"/>
+              </a:ext>
+            </a:extLst>
+          </p:cNvPr>
+          <p:cNvSpPr/>
+          <p:nvPr/>
+        </p:nvSpPr>
+        <p:spPr>
+          <a:xfrm>
+            <a:off x="4632836" y="5805335"/>
+            <a:ext cx="683029" cy="266542"/>
+          </a:xfrm>
+          <a:prstGeom prst="roundRect">
+            <a:avLst/>
+          </a:prstGeom>
+          <a:solidFill>
+            <a:srgbClr val="FFFF00"/>
+          </a:solidFill>
+          <a:ln>
+            <a:solidFill>
+              <a:schemeClr val="bg1"/>
+            </a:solidFill>
+          </a:ln>
+        </p:spPr>
+        <p:style>
+          <a:lnRef idx="2">
+            <a:schemeClr val="accent1">
+              <a:shade val="50000"/>
+            </a:schemeClr>
+          </a:lnRef>
+          <a:fillRef idx="1">
+            <a:schemeClr val="accent1"/>
+          </a:fillRef>
+          <a:effectRef idx="0">
+            <a:schemeClr val="accent1"/>
+          </a:effectRef>
+          <a:fontRef idx="minor">
+            <a:schemeClr val="lt1"/>
+          </a:fontRef>
+        </p:style>
+        <p:txBody>
+          <a:bodyPr rtlCol="0" anchor="ctr"/>
+          <a:lstStyle/>
+          <a:p>
+            <a:pPr algn="ctr"/>
+            <a:r>
+              <a:rPr lang="en-US" sz="1200" b="1" dirty="0">
+                <a:solidFill>
+                  <a:schemeClr val="bg1"/>
+                </a:solidFill>
+              </a:rPr>
+              <a:t>Client2</a:t>
+            </a:r>
+          </a:p>
+        </p:txBody>
+      </p:sp>
+      <p:sp>
+        <p:nvSpPr>
+          <p:cNvPr id="19" name="Rounded Rectangle 18">
+            <a:extLst>
+              <a:ext uri="{FF2B5EF4-FFF2-40B4-BE49-F238E27FC236}">
+                <a16:creationId xmlns:a16="http://schemas.microsoft.com/office/drawing/2014/main" id="{DEB9DD52-973C-8F4A-B73C-9427BC93135E}"/>
+              </a:ext>
+            </a:extLst>
+          </p:cNvPr>
+          <p:cNvSpPr/>
+          <p:nvPr/>
+        </p:nvSpPr>
+        <p:spPr>
+          <a:xfrm>
+            <a:off x="4622320" y="6133330"/>
+            <a:ext cx="683029" cy="266542"/>
+          </a:xfrm>
+          <a:prstGeom prst="roundRect">
+            <a:avLst/>
+          </a:prstGeom>
+          <a:solidFill>
+            <a:srgbClr val="FFFF00"/>
+          </a:solidFill>
+          <a:ln>
+            <a:solidFill>
+              <a:schemeClr val="bg1"/>
+            </a:solidFill>
+          </a:ln>
+        </p:spPr>
+        <p:style>
+          <a:lnRef idx="2">
+            <a:schemeClr val="accent1">
+              <a:shade val="50000"/>
+            </a:schemeClr>
+          </a:lnRef>
+          <a:fillRef idx="1">
+            <a:schemeClr val="accent1"/>
+          </a:fillRef>
+          <a:effectRef idx="0">
+            <a:schemeClr val="accent1"/>
+          </a:effectRef>
+          <a:fontRef idx="minor">
+            <a:schemeClr val="lt1"/>
+          </a:fontRef>
+        </p:style>
+        <p:txBody>
+          <a:bodyPr rtlCol="0" anchor="ctr"/>
+          <a:lstStyle/>
+          <a:p>
+            <a:pPr algn="ctr"/>
+            <a:r>
+              <a:rPr lang="en-US" sz="1200" b="1" dirty="0">
+                <a:solidFill>
+                  <a:schemeClr val="bg1"/>
+                </a:solidFill>
+              </a:rPr>
+              <a:t>Client3</a:t>
+            </a:r>
+          </a:p>
+        </p:txBody>
+      </p:sp>
+      <p:sp>
+        <p:nvSpPr>
+          <p:cNvPr id="20" name="Rounded Rectangle 19">
+            <a:extLst>
+              <a:ext uri="{FF2B5EF4-FFF2-40B4-BE49-F238E27FC236}">
+                <a16:creationId xmlns:a16="http://schemas.microsoft.com/office/drawing/2014/main" id="{A73AF097-AADC-7240-A767-6D5E4D633C07}"/>
+              </a:ext>
+            </a:extLst>
+          </p:cNvPr>
+          <p:cNvSpPr/>
+          <p:nvPr/>
+        </p:nvSpPr>
+        <p:spPr>
+          <a:xfrm>
+            <a:off x="4622320" y="6463450"/>
+            <a:ext cx="683029" cy="266542"/>
+          </a:xfrm>
+          <a:prstGeom prst="roundRect">
+            <a:avLst/>
+          </a:prstGeom>
+          <a:solidFill>
+            <a:srgbClr val="FFFF00"/>
+          </a:solidFill>
+          <a:ln>
+            <a:solidFill>
+              <a:schemeClr val="bg1"/>
+            </a:solidFill>
+          </a:ln>
+        </p:spPr>
+        <p:style>
+          <a:lnRef idx="2">
+            <a:schemeClr val="accent1">
+              <a:shade val="50000"/>
+            </a:schemeClr>
+          </a:lnRef>
+          <a:fillRef idx="1">
+            <a:schemeClr val="accent1"/>
+          </a:fillRef>
+          <a:effectRef idx="0">
+            <a:schemeClr val="accent1"/>
+          </a:effectRef>
+          <a:fontRef idx="minor">
+            <a:schemeClr val="lt1"/>
+          </a:fontRef>
+        </p:style>
+        <p:txBody>
+          <a:bodyPr rtlCol="0" anchor="ctr"/>
+          <a:lstStyle/>
+          <a:p>
+            <a:pPr algn="ctr"/>
+            <a:r>
+              <a:rPr lang="en-US" sz="1200" b="1" dirty="0">
+                <a:solidFill>
+                  <a:schemeClr val="bg1"/>
+                </a:solidFill>
+              </a:rPr>
+              <a:t>Client4</a:t>
+            </a:r>
+          </a:p>
+        </p:txBody>
+      </p:sp>
+      <p:sp>
+        <p:nvSpPr>
+          <p:cNvPr id="21" name="Rounded Rectangle 20">
+            <a:extLst>
+              <a:ext uri="{FF2B5EF4-FFF2-40B4-BE49-F238E27FC236}">
+                <a16:creationId xmlns:a16="http://schemas.microsoft.com/office/drawing/2014/main" id="{E1EED9F7-3D0F-014E-B95E-6ACD5038241F}"/>
+              </a:ext>
+            </a:extLst>
+          </p:cNvPr>
+          <p:cNvSpPr/>
+          <p:nvPr/>
+        </p:nvSpPr>
+        <p:spPr>
+          <a:xfrm>
+            <a:off x="5433558" y="5469690"/>
+            <a:ext cx="578068" cy="273912"/>
+          </a:xfrm>
+          <a:prstGeom prst="roundRect">
+            <a:avLst/>
+          </a:prstGeom>
+        </p:spPr>
+        <p:style>
+          <a:lnRef idx="2">
+            <a:schemeClr val="accent1">
+              <a:shade val="50000"/>
+            </a:schemeClr>
+          </a:lnRef>
+          <a:fillRef idx="1">
+            <a:schemeClr val="accent1"/>
+          </a:fillRef>
+          <a:effectRef idx="0">
+            <a:schemeClr val="accent1"/>
+          </a:effectRef>
+          <a:fontRef idx="minor">
+            <a:schemeClr val="lt1"/>
+          </a:fontRef>
+        </p:style>
+        <p:txBody>
+          <a:bodyPr rtlCol="0" anchor="ctr"/>
+          <a:lstStyle/>
+          <a:p>
+            <a:pPr algn="ctr"/>
+            <a:r>
+              <a:rPr lang="en-US" sz="1200" dirty="0"/>
+              <a:t>Wx1</a:t>
+            </a:r>
+          </a:p>
+        </p:txBody>
+      </p:sp>
+      <p:sp>
+        <p:nvSpPr>
+          <p:cNvPr id="22" name="Rounded Rectangle 21">
+            <a:extLst>
+              <a:ext uri="{FF2B5EF4-FFF2-40B4-BE49-F238E27FC236}">
+                <a16:creationId xmlns:a16="http://schemas.microsoft.com/office/drawing/2014/main" id="{A57C9DE3-E96F-2A4F-9476-BA7B2E516AAA}"/>
+              </a:ext>
+            </a:extLst>
+          </p:cNvPr>
+          <p:cNvSpPr/>
+          <p:nvPr/>
+        </p:nvSpPr>
+        <p:spPr>
+          <a:xfrm>
+            <a:off x="5435633" y="5801650"/>
+            <a:ext cx="578068" cy="273912"/>
+          </a:xfrm>
+          <a:prstGeom prst="roundRect">
+            <a:avLst/>
+          </a:prstGeom>
+        </p:spPr>
+        <p:style>
+          <a:lnRef idx="2">
+            <a:schemeClr val="accent1">
+              <a:shade val="50000"/>
+            </a:schemeClr>
+          </a:lnRef>
+          <a:fillRef idx="1">
+            <a:schemeClr val="accent1"/>
+          </a:fillRef>
+          <a:effectRef idx="0">
+            <a:schemeClr val="accent1"/>
+          </a:effectRef>
+          <a:fontRef idx="minor">
+            <a:schemeClr val="lt1"/>
+          </a:fontRef>
+        </p:style>
+        <p:txBody>
+          <a:bodyPr rtlCol="0" anchor="ctr"/>
+          <a:lstStyle/>
+          <a:p>
+            <a:pPr algn="ctr"/>
+            <a:r>
+              <a:rPr lang="en-US" sz="1200" dirty="0"/>
+              <a:t>Wx2</a:t>
+            </a:r>
+          </a:p>
+        </p:txBody>
+      </p:sp>
+      <p:sp>
+        <p:nvSpPr>
+          <p:cNvPr id="23" name="Rounded Rectangle 22">
+            <a:extLst>
+              <a:ext uri="{FF2B5EF4-FFF2-40B4-BE49-F238E27FC236}">
+                <a16:creationId xmlns:a16="http://schemas.microsoft.com/office/drawing/2014/main" id="{14C2A652-338A-7E40-9D10-C9812A5E61E2}"/>
+              </a:ext>
+            </a:extLst>
+          </p:cNvPr>
+          <p:cNvSpPr/>
+          <p:nvPr/>
+        </p:nvSpPr>
+        <p:spPr>
+          <a:xfrm>
+            <a:off x="6133469" y="6071877"/>
+            <a:ext cx="578068" cy="273912"/>
+          </a:xfrm>
+          <a:prstGeom prst="roundRect">
+            <a:avLst/>
+          </a:prstGeom>
+        </p:spPr>
+        <p:style>
+          <a:lnRef idx="2">
+            <a:schemeClr val="accent1">
+              <a:shade val="50000"/>
+            </a:schemeClr>
+          </a:lnRef>
+          <a:fillRef idx="1">
+            <a:schemeClr val="accent1"/>
+          </a:fillRef>
+          <a:effectRef idx="0">
+            <a:schemeClr val="accent1"/>
+          </a:effectRef>
+          <a:fontRef idx="minor">
+            <a:schemeClr val="lt1"/>
+          </a:fontRef>
+        </p:style>
+        <p:txBody>
+          <a:bodyPr rtlCol="0" anchor="ctr"/>
+          <a:lstStyle/>
+          <a:p>
+            <a:pPr algn="ctr"/>
+            <a:r>
+              <a:rPr lang="en-US" sz="1200" dirty="0"/>
+              <a:t>Rx?</a:t>
+            </a:r>
+          </a:p>
+        </p:txBody>
+      </p:sp>
+      <p:sp>
+        <p:nvSpPr>
+          <p:cNvPr id="24" name="Rounded Rectangle 23">
+            <a:extLst>
+              <a:ext uri="{FF2B5EF4-FFF2-40B4-BE49-F238E27FC236}">
+                <a16:creationId xmlns:a16="http://schemas.microsoft.com/office/drawing/2014/main" id="{3512B351-E76F-5D46-9175-23950302A5C8}"/>
+              </a:ext>
+            </a:extLst>
+          </p:cNvPr>
+          <p:cNvSpPr/>
+          <p:nvPr/>
+        </p:nvSpPr>
+        <p:spPr>
+          <a:xfrm>
+            <a:off x="6795620" y="6399872"/>
+            <a:ext cx="578068" cy="273912"/>
+          </a:xfrm>
+          <a:prstGeom prst="roundRect">
+            <a:avLst/>
+          </a:prstGeom>
+        </p:spPr>
+        <p:style>
+          <a:lnRef idx="2">
+            <a:schemeClr val="accent1">
+              <a:shade val="50000"/>
+            </a:schemeClr>
+          </a:lnRef>
+          <a:fillRef idx="1">
+            <a:schemeClr val="accent1"/>
+          </a:fillRef>
+          <a:effectRef idx="0">
+            <a:schemeClr val="accent1"/>
+          </a:effectRef>
+          <a:fontRef idx="minor">
+            <a:schemeClr val="lt1"/>
+          </a:fontRef>
+        </p:style>
+        <p:txBody>
+          <a:bodyPr rtlCol="0" anchor="ctr"/>
+          <a:lstStyle/>
+          <a:p>
+            <a:pPr algn="ctr"/>
+            <a:r>
+              <a:rPr lang="en-US" sz="1200" dirty="0"/>
+              <a:t>Rx?</a:t>
+            </a:r>
+          </a:p>
+        </p:txBody>
+      </p:sp>
+      <p:sp>
+        <p:nvSpPr>
+          <p:cNvPr id="25" name="Oval 24">
+            <a:extLst>
+              <a:ext uri="{FF2B5EF4-FFF2-40B4-BE49-F238E27FC236}">
+                <a16:creationId xmlns:a16="http://schemas.microsoft.com/office/drawing/2014/main" id="{B74B3C34-7ED7-484B-8771-E8196B5953A9}"/>
+              </a:ext>
+            </a:extLst>
+          </p:cNvPr>
+          <p:cNvSpPr/>
+          <p:nvPr/>
+        </p:nvSpPr>
+        <p:spPr>
+          <a:xfrm>
+            <a:off x="1587056" y="1050906"/>
+            <a:ext cx="1366345" cy="1292772"/>
+          </a:xfrm>
+          <a:prstGeom prst="ellipse">
+            <a:avLst/>
+          </a:prstGeom>
+          <a:solidFill>
+            <a:srgbClr val="FFFF00"/>
+          </a:solidFill>
+        </p:spPr>
+        <p:style>
+          <a:lnRef idx="2">
+            <a:schemeClr val="accent1">
+              <a:shade val="50000"/>
+            </a:schemeClr>
+          </a:lnRef>
+          <a:fillRef idx="1">
+            <a:schemeClr val="accent1"/>
+          </a:fillRef>
+          <a:effectRef idx="0">
+            <a:schemeClr val="accent1"/>
+          </a:effectRef>
+          <a:fontRef idx="minor">
+            <a:schemeClr val="lt1"/>
+          </a:fontRef>
+        </p:style>
+        <p:txBody>
+          <a:bodyPr rtlCol="0" anchor="ctr"/>
+          <a:lstStyle/>
+          <a:p>
+            <a:pPr algn="ctr"/>
+            <a:r>
+              <a:rPr lang="en-US" dirty="0">
+                <a:solidFill>
+                  <a:schemeClr val="bg1"/>
+                </a:solidFill>
+              </a:rPr>
+              <a:t>Client 1</a:t>
+            </a:r>
+          </a:p>
+        </p:txBody>
+      </p:sp>
+      <p:sp>
+        <p:nvSpPr>
+          <p:cNvPr id="26" name="Oval 25">
+            <a:extLst>
+              <a:ext uri="{FF2B5EF4-FFF2-40B4-BE49-F238E27FC236}">
+                <a16:creationId xmlns:a16="http://schemas.microsoft.com/office/drawing/2014/main" id="{CEF1D74E-452A-A64B-AA6C-916C3BBD9E84}"/>
+              </a:ext>
+            </a:extLst>
+          </p:cNvPr>
+          <p:cNvSpPr/>
+          <p:nvPr/>
+        </p:nvSpPr>
+        <p:spPr>
+          <a:xfrm>
+            <a:off x="1587056" y="3720663"/>
+            <a:ext cx="1366345" cy="1292772"/>
+          </a:xfrm>
+          <a:prstGeom prst="ellipse">
+            <a:avLst/>
+          </a:prstGeom>
+          <a:solidFill>
+            <a:srgbClr val="FFFF00"/>
+          </a:solidFill>
+        </p:spPr>
+        <p:style>
+          <a:lnRef idx="2">
+            <a:schemeClr val="accent1">
+              <a:shade val="50000"/>
+            </a:schemeClr>
+          </a:lnRef>
+          <a:fillRef idx="1">
+            <a:schemeClr val="accent1"/>
+          </a:fillRef>
+          <a:effectRef idx="0">
+            <a:schemeClr val="accent1"/>
+          </a:effectRef>
+          <a:fontRef idx="minor">
+            <a:schemeClr val="lt1"/>
+          </a:fontRef>
+        </p:style>
+        <p:txBody>
+          <a:bodyPr rtlCol="0" anchor="ctr"/>
+          <a:lstStyle/>
+          <a:p>
+            <a:pPr algn="ctr"/>
+            <a:r>
+              <a:rPr lang="en-US" dirty="0">
+                <a:solidFill>
+                  <a:schemeClr val="bg1"/>
+                </a:solidFill>
+              </a:rPr>
+              <a:t>Client 2</a:t>
+            </a:r>
+          </a:p>
+        </p:txBody>
+      </p:sp>
+      <p:cxnSp>
+        <p:nvCxnSpPr>
+          <p:cNvPr id="28" name="Straight Arrow Connector 27">
+            <a:extLst>
+              <a:ext uri="{FF2B5EF4-FFF2-40B4-BE49-F238E27FC236}">
+                <a16:creationId xmlns:a16="http://schemas.microsoft.com/office/drawing/2014/main" id="{2AE0CA29-AFEC-2644-8C6F-5B999DEB2DEE}"/>
+              </a:ext>
+            </a:extLst>
+          </p:cNvPr>
+          <p:cNvCxnSpPr>
+            <a:stCxn id="25" idx="6"/>
+          </p:cNvCxnSpPr>
+          <p:nvPr/>
+        </p:nvCxnSpPr>
+        <p:spPr>
+          <a:xfrm>
+            <a:off x="2953401" y="1697292"/>
+            <a:ext cx="2070542" cy="2496336"/>
+          </a:xfrm>
+          <a:prstGeom prst="straightConnector1">
+            <a:avLst/>
+          </a:prstGeom>
+          <a:ln>
+            <a:solidFill>
+              <a:srgbClr val="FFFF00"/>
+            </a:solidFill>
+            <a:tailEnd type="triangle"/>
+          </a:ln>
+        </p:spPr>
+        <p:style>
+          <a:lnRef idx="1">
+            <a:schemeClr val="accent1"/>
+          </a:lnRef>
+          <a:fillRef idx="0">
+            <a:schemeClr val="accent1"/>
+          </a:fillRef>
+          <a:effectRef idx="0">
+            <a:schemeClr val="accent1"/>
+          </a:effectRef>
+          <a:fontRef idx="minor">
+            <a:schemeClr val="tx1"/>
+          </a:fontRef>
+        </p:style>
+      </p:cxnSp>
+      <p:cxnSp>
+        <p:nvCxnSpPr>
+          <p:cNvPr id="30" name="Straight Arrow Connector 29">
+            <a:extLst>
+              <a:ext uri="{FF2B5EF4-FFF2-40B4-BE49-F238E27FC236}">
+                <a16:creationId xmlns:a16="http://schemas.microsoft.com/office/drawing/2014/main" id="{9B63B2F9-9A18-4B49-A848-34F56B523332}"/>
+              </a:ext>
+            </a:extLst>
+          </p:cNvPr>
+          <p:cNvCxnSpPr>
+            <a:stCxn id="25" idx="6"/>
+            <a:endCxn id="3" idx="1"/>
+          </p:cNvCxnSpPr>
+          <p:nvPr/>
+        </p:nvCxnSpPr>
+        <p:spPr>
+          <a:xfrm>
+            <a:off x="2953401" y="1697292"/>
+            <a:ext cx="2070543" cy="390325"/>
+          </a:xfrm>
+          <a:prstGeom prst="straightConnector1">
+            <a:avLst/>
+          </a:prstGeom>
+          <a:ln>
+            <a:solidFill>
+              <a:srgbClr val="FFFF00"/>
+            </a:solidFill>
+            <a:tailEnd type="triangle"/>
+          </a:ln>
+        </p:spPr>
+        <p:style>
+          <a:lnRef idx="1">
+            <a:schemeClr val="accent1"/>
+          </a:lnRef>
+          <a:fillRef idx="0">
+            <a:schemeClr val="accent1"/>
+          </a:fillRef>
+          <a:effectRef idx="0">
+            <a:schemeClr val="accent1"/>
+          </a:effectRef>
+          <a:fontRef idx="minor">
+            <a:schemeClr val="tx1"/>
+          </a:fontRef>
+        </p:style>
+      </p:cxnSp>
+      <p:sp>
+        <p:nvSpPr>
+          <p:cNvPr id="31" name="TextBox 30">
+            <a:extLst>
+              <a:ext uri="{FF2B5EF4-FFF2-40B4-BE49-F238E27FC236}">
+                <a16:creationId xmlns:a16="http://schemas.microsoft.com/office/drawing/2014/main" id="{60691AE7-9679-7F4B-9BE4-82F59DA5426E}"/>
+              </a:ext>
+            </a:extLst>
+          </p:cNvPr>
+          <p:cNvSpPr txBox="1"/>
+          <p:nvPr/>
+        </p:nvSpPr>
+        <p:spPr>
+          <a:xfrm>
+            <a:off x="3376263" y="1516025"/>
+            <a:ext cx="1267078" cy="369332"/>
+          </a:xfrm>
+          <a:prstGeom prst="rect">
+            <a:avLst/>
+          </a:prstGeom>
+          <a:noFill/>
+        </p:spPr>
+        <p:txBody>
+          <a:bodyPr wrap="none" rtlCol="0">
+            <a:spAutoFit/>
+          </a:bodyPr>
+          <a:lstStyle/>
+          <a:p>
+            <a:r>
+              <a:rPr lang="en-US" dirty="0">
+                <a:solidFill>
+                  <a:srgbClr val="FFFF00"/>
+                </a:solidFill>
+              </a:rPr>
+              <a:t>Write x -&gt; 1</a:t>
+            </a:r>
+          </a:p>
+        </p:txBody>
+      </p:sp>
+      <p:sp>
+        <p:nvSpPr>
+          <p:cNvPr id="32" name="TextBox 31">
+            <a:extLst>
+              <a:ext uri="{FF2B5EF4-FFF2-40B4-BE49-F238E27FC236}">
+                <a16:creationId xmlns:a16="http://schemas.microsoft.com/office/drawing/2014/main" id="{3F8743AA-01E0-7F4F-992E-698B79F7472A}"/>
+              </a:ext>
+            </a:extLst>
+          </p:cNvPr>
+          <p:cNvSpPr txBox="1"/>
+          <p:nvPr/>
+        </p:nvSpPr>
+        <p:spPr>
+          <a:xfrm>
+            <a:off x="2922461" y="2300373"/>
+            <a:ext cx="1267078" cy="369332"/>
+          </a:xfrm>
+          <a:prstGeom prst="rect">
+            <a:avLst/>
+          </a:prstGeom>
+          <a:noFill/>
+        </p:spPr>
+        <p:txBody>
+          <a:bodyPr wrap="none" rtlCol="0">
+            <a:spAutoFit/>
+          </a:bodyPr>
+          <a:lstStyle/>
+          <a:p>
+            <a:r>
+              <a:rPr lang="en-US" dirty="0">
+                <a:solidFill>
+                  <a:srgbClr val="FFFF00"/>
+                </a:solidFill>
+              </a:rPr>
+              <a:t>Write x -&gt; 1</a:t>
+            </a:r>
+          </a:p>
+        </p:txBody>
+      </p:sp>
+      <p:cxnSp>
+        <p:nvCxnSpPr>
+          <p:cNvPr id="34" name="Straight Arrow Connector 33">
+            <a:extLst>
+              <a:ext uri="{FF2B5EF4-FFF2-40B4-BE49-F238E27FC236}">
+                <a16:creationId xmlns:a16="http://schemas.microsoft.com/office/drawing/2014/main" id="{3C847487-BE65-EC48-BF3D-5B804F6F6818}"/>
+              </a:ext>
+            </a:extLst>
+          </p:cNvPr>
+          <p:cNvCxnSpPr>
+            <a:stCxn id="26" idx="6"/>
+            <a:endCxn id="3" idx="1"/>
+          </p:cNvCxnSpPr>
+          <p:nvPr/>
+        </p:nvCxnSpPr>
+        <p:spPr>
+          <a:xfrm flipV="1">
+            <a:off x="2953401" y="2087617"/>
+            <a:ext cx="2070543" cy="2279432"/>
+          </a:xfrm>
+          <a:prstGeom prst="straightConnector1">
+            <a:avLst/>
+          </a:prstGeom>
+          <a:ln>
+            <a:solidFill>
+              <a:srgbClr val="FF0000"/>
+            </a:solidFill>
+            <a:tailEnd type="triangle"/>
+          </a:ln>
+        </p:spPr>
+        <p:style>
+          <a:lnRef idx="1">
+            <a:schemeClr val="accent1"/>
+          </a:lnRef>
+          <a:fillRef idx="0">
+            <a:schemeClr val="accent1"/>
+          </a:fillRef>
+          <a:effectRef idx="0">
+            <a:schemeClr val="accent1"/>
+          </a:effectRef>
+          <a:fontRef idx="minor">
+            <a:schemeClr val="tx1"/>
+          </a:fontRef>
+        </p:style>
+      </p:cxnSp>
+      <p:cxnSp>
+        <p:nvCxnSpPr>
+          <p:cNvPr id="36" name="Straight Arrow Connector 35">
+            <a:extLst>
+              <a:ext uri="{FF2B5EF4-FFF2-40B4-BE49-F238E27FC236}">
+                <a16:creationId xmlns:a16="http://schemas.microsoft.com/office/drawing/2014/main" id="{6C417031-DED8-5B4C-B8A9-FDA27B44F76B}"/>
+              </a:ext>
+            </a:extLst>
+          </p:cNvPr>
+          <p:cNvCxnSpPr>
+            <a:stCxn id="26" idx="6"/>
+            <a:endCxn id="9" idx="1"/>
+          </p:cNvCxnSpPr>
+          <p:nvPr/>
+        </p:nvCxnSpPr>
+        <p:spPr>
+          <a:xfrm flipV="1">
+            <a:off x="2953401" y="4218590"/>
+            <a:ext cx="2070543" cy="148459"/>
+          </a:xfrm>
+          <a:prstGeom prst="straightConnector1">
+            <a:avLst/>
+          </a:prstGeom>
+          <a:ln>
+            <a:solidFill>
+              <a:srgbClr val="FF0000"/>
+            </a:solidFill>
+            <a:tailEnd type="triangle"/>
+          </a:ln>
+        </p:spPr>
+        <p:style>
+          <a:lnRef idx="1">
+            <a:schemeClr val="accent1"/>
+          </a:lnRef>
+          <a:fillRef idx="0">
+            <a:schemeClr val="accent1"/>
+          </a:fillRef>
+          <a:effectRef idx="0">
+            <a:schemeClr val="accent1"/>
+          </a:effectRef>
+          <a:fontRef idx="minor">
+            <a:schemeClr val="tx1"/>
+          </a:fontRef>
+        </p:style>
+      </p:cxnSp>
+      <p:sp>
+        <p:nvSpPr>
+          <p:cNvPr id="39" name="TextBox 38">
+            <a:extLst>
+              <a:ext uri="{FF2B5EF4-FFF2-40B4-BE49-F238E27FC236}">
+                <a16:creationId xmlns:a16="http://schemas.microsoft.com/office/drawing/2014/main" id="{03F5499A-C887-734F-BE4E-DEA3A04C4153}"/>
+              </a:ext>
+            </a:extLst>
+          </p:cNvPr>
+          <p:cNvSpPr txBox="1"/>
+          <p:nvPr/>
+        </p:nvSpPr>
+        <p:spPr>
+          <a:xfrm>
+            <a:off x="3455211" y="4265400"/>
+            <a:ext cx="1267078" cy="369332"/>
+          </a:xfrm>
+          <a:prstGeom prst="rect">
+            <a:avLst/>
+          </a:prstGeom>
+          <a:noFill/>
+        </p:spPr>
+        <p:txBody>
+          <a:bodyPr wrap="none" rtlCol="0">
+            <a:spAutoFit/>
+          </a:bodyPr>
+          <a:lstStyle/>
+          <a:p>
+            <a:r>
+              <a:rPr lang="en-US" dirty="0">
+                <a:solidFill>
+                  <a:srgbClr val="FF0000"/>
+                </a:solidFill>
+              </a:rPr>
+              <a:t>Write x -&gt; 2</a:t>
+            </a:r>
+          </a:p>
+        </p:txBody>
+      </p:sp>
+      <p:sp>
+        <p:nvSpPr>
+          <p:cNvPr id="40" name="TextBox 39">
+            <a:extLst>
+              <a:ext uri="{FF2B5EF4-FFF2-40B4-BE49-F238E27FC236}">
+                <a16:creationId xmlns:a16="http://schemas.microsoft.com/office/drawing/2014/main" id="{063D35C3-825C-F941-AC1D-57EF9EC3DA90}"/>
+              </a:ext>
+            </a:extLst>
+          </p:cNvPr>
+          <p:cNvSpPr txBox="1"/>
+          <p:nvPr/>
+        </p:nvSpPr>
+        <p:spPr>
+          <a:xfrm>
+            <a:off x="2928265" y="3497704"/>
+            <a:ext cx="1267078" cy="369332"/>
+          </a:xfrm>
+          <a:prstGeom prst="rect">
+            <a:avLst/>
+          </a:prstGeom>
+          <a:noFill/>
+        </p:spPr>
+        <p:txBody>
+          <a:bodyPr wrap="none" rtlCol="0">
+            <a:spAutoFit/>
+          </a:bodyPr>
+          <a:lstStyle/>
+          <a:p>
+            <a:r>
+              <a:rPr lang="en-US" dirty="0">
+                <a:solidFill>
+                  <a:srgbClr val="FF0000"/>
+                </a:solidFill>
+              </a:rPr>
+              <a:t>Write x -&gt; 2</a:t>
+            </a:r>
+          </a:p>
+        </p:txBody>
+      </p:sp>
+      <p:sp>
+        <p:nvSpPr>
+          <p:cNvPr id="41" name="Oval 40">
+            <a:extLst>
+              <a:ext uri="{FF2B5EF4-FFF2-40B4-BE49-F238E27FC236}">
+                <a16:creationId xmlns:a16="http://schemas.microsoft.com/office/drawing/2014/main" id="{FEB607DB-9AD4-334F-8CEB-77D06B5BD6D5}"/>
+              </a:ext>
+            </a:extLst>
+          </p:cNvPr>
+          <p:cNvSpPr/>
+          <p:nvPr/>
+        </p:nvSpPr>
+        <p:spPr>
+          <a:xfrm>
+            <a:off x="9169823" y="1050274"/>
+            <a:ext cx="1366345" cy="1292772"/>
+          </a:xfrm>
+          <a:prstGeom prst="ellipse">
+            <a:avLst/>
+          </a:prstGeom>
+          <a:solidFill>
+            <a:srgbClr val="FFFF00"/>
+          </a:solidFill>
+        </p:spPr>
+        <p:style>
+          <a:lnRef idx="2">
+            <a:schemeClr val="accent1">
+              <a:shade val="50000"/>
+            </a:schemeClr>
+          </a:lnRef>
+          <a:fillRef idx="1">
+            <a:schemeClr val="accent1"/>
+          </a:fillRef>
+          <a:effectRef idx="0">
+            <a:schemeClr val="accent1"/>
+          </a:effectRef>
+          <a:fontRef idx="minor">
+            <a:schemeClr val="lt1"/>
+          </a:fontRef>
+        </p:style>
+        <p:txBody>
+          <a:bodyPr rtlCol="0" anchor="ctr"/>
+          <a:lstStyle/>
+          <a:p>
+            <a:pPr algn="ctr"/>
+            <a:r>
+              <a:rPr lang="en-US" dirty="0">
+                <a:solidFill>
+                  <a:schemeClr val="bg1"/>
+                </a:solidFill>
+              </a:rPr>
+              <a:t>Client 3</a:t>
+            </a:r>
+          </a:p>
+        </p:txBody>
+      </p:sp>
+      <p:sp>
+        <p:nvSpPr>
+          <p:cNvPr id="42" name="Oval 41">
+            <a:extLst>
+              <a:ext uri="{FF2B5EF4-FFF2-40B4-BE49-F238E27FC236}">
+                <a16:creationId xmlns:a16="http://schemas.microsoft.com/office/drawing/2014/main" id="{F7F92B48-27CC-C346-B6D5-1AD64BEE5E71}"/>
+              </a:ext>
+            </a:extLst>
+          </p:cNvPr>
+          <p:cNvSpPr/>
+          <p:nvPr/>
+        </p:nvSpPr>
+        <p:spPr>
+          <a:xfrm>
+            <a:off x="9238599" y="3616115"/>
+            <a:ext cx="1366345" cy="1292772"/>
+          </a:xfrm>
+          <a:prstGeom prst="ellipse">
+            <a:avLst/>
+          </a:prstGeom>
+          <a:solidFill>
+            <a:srgbClr val="FFFF00"/>
+          </a:solidFill>
+        </p:spPr>
+        <p:style>
+          <a:lnRef idx="2">
+            <a:schemeClr val="accent1">
+              <a:shade val="50000"/>
+            </a:schemeClr>
+          </a:lnRef>
+          <a:fillRef idx="1">
+            <a:schemeClr val="accent1"/>
+          </a:fillRef>
+          <a:effectRef idx="0">
+            <a:schemeClr val="accent1"/>
+          </a:effectRef>
+          <a:fontRef idx="minor">
+            <a:schemeClr val="lt1"/>
+          </a:fontRef>
+        </p:style>
+        <p:txBody>
+          <a:bodyPr rtlCol="0" anchor="ctr"/>
+          <a:lstStyle/>
+          <a:p>
+            <a:pPr algn="ctr"/>
+            <a:r>
+              <a:rPr lang="en-US" dirty="0">
+                <a:solidFill>
+                  <a:schemeClr val="bg1"/>
+                </a:solidFill>
+              </a:rPr>
+              <a:t>Client 4</a:t>
+            </a:r>
+          </a:p>
+        </p:txBody>
+      </p:sp>
+      <p:cxnSp>
+        <p:nvCxnSpPr>
+          <p:cNvPr id="44" name="Straight Arrow Connector 43">
+            <a:extLst>
+              <a:ext uri="{FF2B5EF4-FFF2-40B4-BE49-F238E27FC236}">
+                <a16:creationId xmlns:a16="http://schemas.microsoft.com/office/drawing/2014/main" id="{D7B52E33-A6A9-B543-81E6-09FD8268FEB5}"/>
+              </a:ext>
+            </a:extLst>
+          </p:cNvPr>
+          <p:cNvCxnSpPr>
+            <a:stCxn id="41" idx="2"/>
+            <a:endCxn id="3" idx="3"/>
+          </p:cNvCxnSpPr>
+          <p:nvPr/>
+        </p:nvCxnSpPr>
+        <p:spPr>
+          <a:xfrm flipH="1">
+            <a:off x="6968359" y="1696660"/>
+            <a:ext cx="2201464" cy="390957"/>
+          </a:xfrm>
+          <a:prstGeom prst="straightConnector1">
+            <a:avLst/>
+          </a:prstGeom>
+          <a:ln>
+            <a:tailEnd type="triangle"/>
+          </a:ln>
+        </p:spPr>
+        <p:style>
+          <a:lnRef idx="1">
+            <a:schemeClr val="accent1"/>
+          </a:lnRef>
+          <a:fillRef idx="0">
+            <a:schemeClr val="accent1"/>
+          </a:fillRef>
+          <a:effectRef idx="0">
+            <a:schemeClr val="accent1"/>
+          </a:effectRef>
+          <a:fontRef idx="minor">
+            <a:schemeClr val="tx1"/>
+          </a:fontRef>
+        </p:style>
+      </p:cxnSp>
+      <p:cxnSp>
+        <p:nvCxnSpPr>
+          <p:cNvPr id="46" name="Straight Arrow Connector 45">
+            <a:extLst>
+              <a:ext uri="{FF2B5EF4-FFF2-40B4-BE49-F238E27FC236}">
+                <a16:creationId xmlns:a16="http://schemas.microsoft.com/office/drawing/2014/main" id="{CF919C95-9263-8E45-A410-6AB4CF9CF85A}"/>
+              </a:ext>
+            </a:extLst>
+          </p:cNvPr>
+          <p:cNvCxnSpPr>
+            <a:stCxn id="42" idx="2"/>
+            <a:endCxn id="9" idx="3"/>
+          </p:cNvCxnSpPr>
+          <p:nvPr/>
+        </p:nvCxnSpPr>
+        <p:spPr>
+          <a:xfrm flipH="1" flipV="1">
+            <a:off x="6968359" y="4218590"/>
+            <a:ext cx="2270240" cy="43911"/>
+          </a:xfrm>
+          <a:prstGeom prst="straightConnector1">
+            <a:avLst/>
+          </a:prstGeom>
+          <a:ln>
+            <a:tailEnd type="triangle"/>
+          </a:ln>
+        </p:spPr>
+        <p:style>
+          <a:lnRef idx="1">
+            <a:schemeClr val="accent1"/>
+          </a:lnRef>
+          <a:fillRef idx="0">
+            <a:schemeClr val="accent1"/>
+          </a:fillRef>
+          <a:effectRef idx="0">
+            <a:schemeClr val="accent1"/>
+          </a:effectRef>
+          <a:fontRef idx="minor">
+            <a:schemeClr val="tx1"/>
+          </a:fontRef>
+        </p:style>
+      </p:cxnSp>
+      <p:sp>
+        <p:nvSpPr>
+          <p:cNvPr id="50" name="TextBox 49">
+            <a:extLst>
+              <a:ext uri="{FF2B5EF4-FFF2-40B4-BE49-F238E27FC236}">
+                <a16:creationId xmlns:a16="http://schemas.microsoft.com/office/drawing/2014/main" id="{DC62269A-FC78-3341-83A2-81F25529AD64}"/>
+              </a:ext>
+            </a:extLst>
+          </p:cNvPr>
+          <p:cNvSpPr txBox="1"/>
+          <p:nvPr/>
+        </p:nvSpPr>
+        <p:spPr>
+          <a:xfrm>
+            <a:off x="7501884" y="1748392"/>
+            <a:ext cx="1134413" cy="369332"/>
+          </a:xfrm>
+          <a:prstGeom prst="rect">
+            <a:avLst/>
+          </a:prstGeom>
+          <a:noFill/>
+        </p:spPr>
+        <p:txBody>
+          <a:bodyPr wrap="none" rtlCol="0">
+            <a:spAutoFit/>
+          </a:bodyPr>
+          <a:lstStyle/>
+          <a:p>
+            <a:r>
+              <a:rPr lang="en-US" dirty="0"/>
+              <a:t>Read x = ?</a:t>
+            </a:r>
+          </a:p>
+        </p:txBody>
+      </p:sp>
+      <p:sp>
+        <p:nvSpPr>
+          <p:cNvPr id="51" name="TextBox 50">
+            <a:extLst>
+              <a:ext uri="{FF2B5EF4-FFF2-40B4-BE49-F238E27FC236}">
+                <a16:creationId xmlns:a16="http://schemas.microsoft.com/office/drawing/2014/main" id="{78C618C0-D9B2-0B4A-B06B-77E1FD25CE80}"/>
+              </a:ext>
+            </a:extLst>
+          </p:cNvPr>
+          <p:cNvSpPr txBox="1"/>
+          <p:nvPr/>
+        </p:nvSpPr>
+        <p:spPr>
+          <a:xfrm>
+            <a:off x="7501884" y="4055879"/>
+            <a:ext cx="1134413" cy="369332"/>
+          </a:xfrm>
+          <a:prstGeom prst="rect">
+            <a:avLst/>
+          </a:prstGeom>
+          <a:noFill/>
+        </p:spPr>
+        <p:txBody>
+          <a:bodyPr wrap="none" rtlCol="0">
+            <a:spAutoFit/>
+          </a:bodyPr>
+          <a:lstStyle/>
+          <a:p>
+            <a:r>
+              <a:rPr lang="en-US" dirty="0"/>
+              <a:t>Read x = ?</a:t>
+            </a:r>
+          </a:p>
+        </p:txBody>
+      </p:sp>
+    </p:spTree>
+    <p:extLst>
+      <p:ext uri="{BB962C8B-B14F-4D97-AF65-F5344CB8AC3E}">
+        <p14:creationId xmlns:p14="http://schemas.microsoft.com/office/powerpoint/2010/main" val="953802038"/>
+      </p:ext>
+    </p:extLst>
+  </p:cSld>
+  <p:clrMapOvr>
+    <a:masterClrMapping/>
+  </p:clrMapOvr>
+</p:sld>
+</file>
+
+<file path=ppt/slides/slide4.xml><?xml version="1.0" encoding="utf-8"?>
 <p:sld xmlns:a="http://schemas.openxmlformats.org/drawingml/2006/main" xmlns:r="http://schemas.openxmlformats.org/officeDocument/2006/relationships" xmlns:p="http://schemas.openxmlformats.org/presentationml/2006/main">
   <p:cSld>
     <p:spTree>

--- a/docs/figures/figures.pptx
+++ b/docs/figures/figures.pptx
@@ -5,13 +5,14 @@
     <p:sldMasterId id="2147483648" r:id="rId1"/>
   </p:sldMasterIdLst>
   <p:notesMasterIdLst>
-    <p:notesMasterId r:id="rId6"/>
+    <p:notesMasterId r:id="rId7"/>
   </p:notesMasterIdLst>
   <p:sldIdLst>
     <p:sldId id="329" r:id="rId2"/>
     <p:sldId id="330" r:id="rId3"/>
     <p:sldId id="332" r:id="rId4"/>
     <p:sldId id="331" r:id="rId5"/>
+    <p:sldId id="333" r:id="rId6"/>
   </p:sldIdLst>
   <p:sldSz cx="12192000" cy="6858000"/>
   <p:notesSz cx="6858000" cy="9144000"/>
@@ -795,6 +796,90 @@
     <p:extLst>
       <p:ext uri="{BB962C8B-B14F-4D97-AF65-F5344CB8AC3E}">
         <p14:creationId xmlns:p14="http://schemas.microsoft.com/office/powerpoint/2010/main" val="1398693450"/>
+      </p:ext>
+    </p:extLst>
+  </p:cSld>
+  <p:clrMapOvr>
+    <a:masterClrMapping/>
+  </p:clrMapOvr>
+</p:notes>
+</file>
+
+<file path=ppt/notesSlides/notesSlide5.xml><?xml version="1.0" encoding="utf-8"?>
+<p:notes xmlns:a="http://schemas.openxmlformats.org/drawingml/2006/main" xmlns:r="http://schemas.openxmlformats.org/officeDocument/2006/relationships" xmlns:p="http://schemas.openxmlformats.org/presentationml/2006/main">
+  <p:cSld>
+    <p:spTree>
+      <p:nvGrpSpPr>
+        <p:cNvPr id="1" name=""/>
+        <p:cNvGrpSpPr/>
+        <p:nvPr/>
+      </p:nvGrpSpPr>
+      <p:grpSpPr>
+        <a:xfrm>
+          <a:off x="0" y="0"/>
+          <a:ext cx="0" cy="0"/>
+          <a:chOff x="0" y="0"/>
+          <a:chExt cx="0" cy="0"/>
+        </a:xfrm>
+      </p:grpSpPr>
+      <p:sp>
+        <p:nvSpPr>
+          <p:cNvPr id="2" name="Slide Image Placeholder 1"/>
+          <p:cNvSpPr>
+            <a:spLocks noGrp="1" noRot="1" noChangeAspect="1"/>
+          </p:cNvSpPr>
+          <p:nvPr>
+            <p:ph type="sldImg"/>
+          </p:nvPr>
+        </p:nvSpPr>
+        <p:spPr/>
+      </p:sp>
+      <p:sp>
+        <p:nvSpPr>
+          <p:cNvPr id="3" name="Notes Placeholder 2"/>
+          <p:cNvSpPr>
+            <a:spLocks noGrp="1"/>
+          </p:cNvSpPr>
+          <p:nvPr>
+            <p:ph type="body" idx="1"/>
+          </p:nvPr>
+        </p:nvSpPr>
+        <p:spPr/>
+        <p:txBody>
+          <a:bodyPr/>
+          <a:lstStyle/>
+          <a:p>
+            <a:endParaRPr lang="en-US" dirty="0"/>
+          </a:p>
+        </p:txBody>
+      </p:sp>
+      <p:sp>
+        <p:nvSpPr>
+          <p:cNvPr id="4" name="Slide Number Placeholder 3"/>
+          <p:cNvSpPr>
+            <a:spLocks noGrp="1"/>
+          </p:cNvSpPr>
+          <p:nvPr>
+            <p:ph type="sldNum" sz="quarter" idx="5"/>
+          </p:nvPr>
+        </p:nvSpPr>
+        <p:spPr/>
+        <p:txBody>
+          <a:bodyPr/>
+          <a:lstStyle/>
+          <a:p>
+            <a:fld id="{997274CE-51E2-314F-8544-5E91EE33A09F}" type="slidenum">
+              <a:rPr lang="en-US" smtClean="0"/>
+              <a:t>5</a:t>
+            </a:fld>
+            <a:endParaRPr lang="en-US"/>
+          </a:p>
+        </p:txBody>
+      </p:sp>
+    </p:spTree>
+    <p:extLst>
+      <p:ext uri="{BB962C8B-B14F-4D97-AF65-F5344CB8AC3E}">
+        <p14:creationId xmlns:p14="http://schemas.microsoft.com/office/powerpoint/2010/main" val="523191081"/>
       </p:ext>
     </p:extLst>
   </p:cSld>
@@ -9465,6 +9550,79 @@
     <p:extLst>
       <p:ext uri="{BB962C8B-B14F-4D97-AF65-F5344CB8AC3E}">
         <p14:creationId xmlns:p14="http://schemas.microsoft.com/office/powerpoint/2010/main" val="3914335120"/>
+      </p:ext>
+    </p:extLst>
+  </p:cSld>
+  <p:clrMapOvr>
+    <a:masterClrMapping/>
+  </p:clrMapOvr>
+</p:sld>
+</file>
+
+<file path=ppt/slides/slide5.xml><?xml version="1.0" encoding="utf-8"?>
+<p:sld xmlns:a="http://schemas.openxmlformats.org/drawingml/2006/main" xmlns:r="http://schemas.openxmlformats.org/officeDocument/2006/relationships" xmlns:p="http://schemas.openxmlformats.org/presentationml/2006/main">
+  <p:cSld>
+    <p:spTree>
+      <p:nvGrpSpPr>
+        <p:cNvPr id="1" name=""/>
+        <p:cNvGrpSpPr/>
+        <p:nvPr/>
+      </p:nvGrpSpPr>
+      <p:grpSpPr>
+        <a:xfrm>
+          <a:off x="0" y="0"/>
+          <a:ext cx="0" cy="0"/>
+          <a:chOff x="0" y="0"/>
+          <a:chExt cx="0" cy="0"/>
+        </a:xfrm>
+      </p:grpSpPr>
+      <p:sp>
+        <p:nvSpPr>
+          <p:cNvPr id="2" name="TextBox 1">
+            <a:extLst>
+              <a:ext uri="{FF2B5EF4-FFF2-40B4-BE49-F238E27FC236}">
+                <a16:creationId xmlns:a16="http://schemas.microsoft.com/office/drawing/2014/main" id="{A99980E2-A3A9-FD4A-9011-9A37E88F5891}"/>
+              </a:ext>
+            </a:extLst>
+          </p:cNvPr>
+          <p:cNvSpPr txBox="1"/>
+          <p:nvPr/>
+        </p:nvSpPr>
+        <p:spPr>
+          <a:xfrm>
+            <a:off x="1872537" y="343020"/>
+            <a:ext cx="8446926" cy="707886"/>
+          </a:xfrm>
+          <a:prstGeom prst="rect">
+            <a:avLst/>
+          </a:prstGeom>
+          <a:noFill/>
+        </p:spPr>
+        <p:txBody>
+          <a:bodyPr wrap="square" rtlCol="0">
+            <a:spAutoFit/>
+          </a:bodyPr>
+          <a:lstStyle/>
+          <a:p>
+            <a:pPr algn="ctr"/>
+            <a:r>
+              <a:rPr lang="en-US" sz="4000" dirty="0">
+                <a:solidFill>
+                  <a:schemeClr val="accent1">
+                    <a:lumMod val="60000"/>
+                    <a:lumOff val="40000"/>
+                  </a:schemeClr>
+                </a:solidFill>
+              </a:rPr>
+              <a:t>Memory Address*</a:t>
+            </a:r>
+          </a:p>
+        </p:txBody>
+      </p:sp>
+    </p:spTree>
+    <p:extLst>
+      <p:ext uri="{BB962C8B-B14F-4D97-AF65-F5344CB8AC3E}">
+        <p14:creationId xmlns:p14="http://schemas.microsoft.com/office/powerpoint/2010/main" val="3295466731"/>
       </p:ext>
     </p:extLst>
   </p:cSld>
